--- a/Meeting 2025-10-29.pptx
+++ b/Meeting 2025-10-29.pptx
@@ -6,20 +6,27 @@
     <p:sldMasterId id="2147483662" r:id="rId5"/>
   </p:sldMasterIdLst>
   <p:notesMasterIdLst>
-    <p:notesMasterId r:id="rId17"/>
+    <p:notesMasterId r:id="rId24"/>
   </p:notesMasterIdLst>
   <p:sldIdLst>
     <p:sldId id="452" r:id="rId6"/>
-    <p:sldId id="613" r:id="rId7"/>
-    <p:sldId id="615" r:id="rId8"/>
-    <p:sldId id="616" r:id="rId9"/>
-    <p:sldId id="617" r:id="rId10"/>
-    <p:sldId id="618" r:id="rId11"/>
-    <p:sldId id="614" r:id="rId12"/>
-    <p:sldId id="619" r:id="rId13"/>
-    <p:sldId id="620" r:id="rId14"/>
-    <p:sldId id="621" r:id="rId15"/>
-    <p:sldId id="622" r:id="rId16"/>
+    <p:sldId id="623" r:id="rId7"/>
+    <p:sldId id="624" r:id="rId8"/>
+    <p:sldId id="625" r:id="rId9"/>
+    <p:sldId id="626" r:id="rId10"/>
+    <p:sldId id="627" r:id="rId11"/>
+    <p:sldId id="628" r:id="rId12"/>
+    <p:sldId id="629" r:id="rId13"/>
+    <p:sldId id="613" r:id="rId14"/>
+    <p:sldId id="615" r:id="rId15"/>
+    <p:sldId id="616" r:id="rId16"/>
+    <p:sldId id="617" r:id="rId17"/>
+    <p:sldId id="618" r:id="rId18"/>
+    <p:sldId id="614" r:id="rId19"/>
+    <p:sldId id="619" r:id="rId20"/>
+    <p:sldId id="620" r:id="rId21"/>
+    <p:sldId id="621" r:id="rId22"/>
+    <p:sldId id="622" r:id="rId23"/>
   </p:sldIdLst>
   <p:sldSz cx="12192000" cy="6858000"/>
   <p:notesSz cx="6858000" cy="9144000"/>
@@ -860,7 +867,7 @@
           </a:lstStyle>
           <a:p>
             <a:fld id="{E220A2CB-105A-41EC-AF42-2324BEBC12EA}" type="datetimeFigureOut">
-              <a:t>10/28/2025</a:t>
+              <a:t>11/17/2025</a:t>
             </a:fld>
             <a:endParaRPr lang="en-US"/>
           </a:p>
@@ -1266,6 +1273,218 @@
     <p:extLst>
       <p:ext uri="{BB962C8B-B14F-4D97-AF65-F5344CB8AC3E}">
         <p14:creationId xmlns:p14="http://schemas.microsoft.com/office/powerpoint/2010/main" val="1217711201"/>
+      </p:ext>
+    </p:extLst>
+  </p:cSld>
+  <p:clrMapOvr>
+    <a:masterClrMapping/>
+  </p:clrMapOvr>
+</p:notes>
+</file>
+
+<file path=ppt/notesSlides/notesSlide2.xml><?xml version="1.0" encoding="utf-8"?>
+<p:notes xmlns:a="http://schemas.openxmlformats.org/drawingml/2006/main" xmlns:r="http://schemas.openxmlformats.org/officeDocument/2006/relationships" xmlns:p="http://schemas.openxmlformats.org/presentationml/2006/main">
+  <p:cSld>
+    <p:spTree>
+      <p:nvGrpSpPr>
+        <p:cNvPr id="1" name=""/>
+        <p:cNvGrpSpPr/>
+        <p:nvPr/>
+      </p:nvGrpSpPr>
+      <p:grpSpPr>
+        <a:xfrm>
+          <a:off x="0" y="0"/>
+          <a:ext cx="0" cy="0"/>
+          <a:chOff x="0" y="0"/>
+          <a:chExt cx="0" cy="0"/>
+        </a:xfrm>
+      </p:grpSpPr>
+      <p:sp>
+        <p:nvSpPr>
+          <p:cNvPr id="2" name="Slide Image Placeholder 1"/>
+          <p:cNvSpPr>
+            <a:spLocks noGrp="1" noRot="1" noChangeAspect="1"/>
+          </p:cNvSpPr>
+          <p:nvPr>
+            <p:ph type="sldImg"/>
+          </p:nvPr>
+        </p:nvSpPr>
+        <p:spPr/>
+      </p:sp>
+      <p:sp>
+        <p:nvSpPr>
+          <p:cNvPr id="3" name="Notes Placeholder 2"/>
+          <p:cNvSpPr>
+            <a:spLocks noGrp="1"/>
+          </p:cNvSpPr>
+          <p:nvPr>
+            <p:ph type="body" idx="1"/>
+          </p:nvPr>
+        </p:nvSpPr>
+        <p:spPr/>
+        <p:txBody>
+          <a:bodyPr/>
+          <a:lstStyle/>
+          <a:p>
+            <a:r>
+              <a:rPr lang="en-CA" dirty="0"/>
+              <a:t>Every day, thousands of scientific papers are published… and most of that knowledge gets buried. Not because the science is wrong, but because the information is disorganized.</a:t>
+            </a:r>
+          </a:p>
+          <a:p>
+            <a:r>
+              <a:rPr lang="en-CA" dirty="0"/>
+              <a:t>When we started working with the HAL database, I realized something important: researchers are producing knowledge faster than we can structure it. And without structure, knowledge gets lost. That’s where this project was born. </a:t>
+            </a:r>
+            <a:r>
+              <a:rPr lang="en-CA" dirty="0" err="1"/>
+              <a:t>SciKey</a:t>
+            </a:r>
+            <a:r>
+              <a:rPr lang="en-CA" dirty="0"/>
+              <a:t> is our attempt to close that gap and help machines understand a scientific language that humans write in a thousand different ways.”</a:t>
+            </a:r>
+          </a:p>
+          <a:p>
+            <a:endParaRPr lang="en-CA" dirty="0"/>
+          </a:p>
+        </p:txBody>
+      </p:sp>
+      <p:sp>
+        <p:nvSpPr>
+          <p:cNvPr id="4" name="Slide Number Placeholder 3"/>
+          <p:cNvSpPr>
+            <a:spLocks noGrp="1"/>
+          </p:cNvSpPr>
+          <p:nvPr>
+            <p:ph type="sldNum" sz="quarter" idx="5"/>
+          </p:nvPr>
+        </p:nvSpPr>
+        <p:spPr/>
+        <p:txBody>
+          <a:bodyPr/>
+          <a:lstStyle/>
+          <a:p>
+            <a:fld id="{2E893830-90D5-42D7-885A-4FBC2F943DFB}" type="slidenum">
+              <a:rPr lang="en-CA" smtClean="0"/>
+              <a:t>2</a:t>
+            </a:fld>
+            <a:endParaRPr lang="en-CA"/>
+          </a:p>
+        </p:txBody>
+      </p:sp>
+    </p:spTree>
+    <p:extLst>
+      <p:ext uri="{BB962C8B-B14F-4D97-AF65-F5344CB8AC3E}">
+        <p14:creationId xmlns:p14="http://schemas.microsoft.com/office/powerpoint/2010/main" val="831567290"/>
+      </p:ext>
+    </p:extLst>
+  </p:cSld>
+  <p:clrMapOvr>
+    <a:masterClrMapping/>
+  </p:clrMapOvr>
+</p:notes>
+</file>
+
+<file path=ppt/notesSlides/notesSlide3.xml><?xml version="1.0" encoding="utf-8"?>
+<p:notes xmlns:a="http://schemas.openxmlformats.org/drawingml/2006/main" xmlns:r="http://schemas.openxmlformats.org/officeDocument/2006/relationships" xmlns:p="http://schemas.openxmlformats.org/presentationml/2006/main">
+  <p:cSld>
+    <p:spTree>
+      <p:nvGrpSpPr>
+        <p:cNvPr id="1" name="">
+          <a:extLst>
+            <a:ext uri="{FF2B5EF4-FFF2-40B4-BE49-F238E27FC236}">
+              <a16:creationId xmlns:a16="http://schemas.microsoft.com/office/drawing/2014/main" id="{E2CABAB0-A4AD-1AE3-EC8B-D4737CB19D3D}"/>
+            </a:ext>
+          </a:extLst>
+        </p:cNvPr>
+        <p:cNvGrpSpPr/>
+        <p:nvPr/>
+      </p:nvGrpSpPr>
+      <p:grpSpPr>
+        <a:xfrm>
+          <a:off x="0" y="0"/>
+          <a:ext cx="0" cy="0"/>
+          <a:chOff x="0" y="0"/>
+          <a:chExt cx="0" cy="0"/>
+        </a:xfrm>
+      </p:grpSpPr>
+      <p:sp>
+        <p:nvSpPr>
+          <p:cNvPr id="2" name="Slide Image Placeholder 1">
+            <a:extLst>
+              <a:ext uri="{FF2B5EF4-FFF2-40B4-BE49-F238E27FC236}">
+                <a16:creationId xmlns:a16="http://schemas.microsoft.com/office/drawing/2014/main" id="{EA1F40B0-D6AC-62D2-647D-7B01555324D3}"/>
+              </a:ext>
+            </a:extLst>
+          </p:cNvPr>
+          <p:cNvSpPr>
+            <a:spLocks noGrp="1" noRot="1" noChangeAspect="1"/>
+          </p:cNvSpPr>
+          <p:nvPr>
+            <p:ph type="sldImg"/>
+          </p:nvPr>
+        </p:nvSpPr>
+        <p:spPr/>
+      </p:sp>
+      <p:sp>
+        <p:nvSpPr>
+          <p:cNvPr id="3" name="Notes Placeholder 2">
+            <a:extLst>
+              <a:ext uri="{FF2B5EF4-FFF2-40B4-BE49-F238E27FC236}">
+                <a16:creationId xmlns:a16="http://schemas.microsoft.com/office/drawing/2014/main" id="{42B501BF-E00B-C620-05C4-86E7161D3C4B}"/>
+              </a:ext>
+            </a:extLst>
+          </p:cNvPr>
+          <p:cNvSpPr>
+            <a:spLocks noGrp="1"/>
+          </p:cNvSpPr>
+          <p:nvPr>
+            <p:ph type="body" idx="1"/>
+          </p:nvPr>
+        </p:nvSpPr>
+        <p:spPr/>
+        <p:txBody>
+          <a:bodyPr/>
+          <a:lstStyle/>
+          <a:p>
+            <a:endParaRPr lang="en-CA" dirty="0"/>
+          </a:p>
+        </p:txBody>
+      </p:sp>
+      <p:sp>
+        <p:nvSpPr>
+          <p:cNvPr id="4" name="Slide Number Placeholder 3">
+            <a:extLst>
+              <a:ext uri="{FF2B5EF4-FFF2-40B4-BE49-F238E27FC236}">
+                <a16:creationId xmlns:a16="http://schemas.microsoft.com/office/drawing/2014/main" id="{F4A6526D-FADD-BE7D-4C0B-58E19F67DDA6}"/>
+              </a:ext>
+            </a:extLst>
+          </p:cNvPr>
+          <p:cNvSpPr>
+            <a:spLocks noGrp="1"/>
+          </p:cNvSpPr>
+          <p:nvPr>
+            <p:ph type="sldNum" sz="quarter" idx="5"/>
+          </p:nvPr>
+        </p:nvSpPr>
+        <p:spPr/>
+        <p:txBody>
+          <a:bodyPr/>
+          <a:lstStyle/>
+          <a:p>
+            <a:fld id="{2E893830-90D5-42D7-885A-4FBC2F943DFB}" type="slidenum">
+              <a:rPr lang="en-CA" smtClean="0"/>
+              <a:t>3</a:t>
+            </a:fld>
+            <a:endParaRPr lang="en-CA"/>
+          </a:p>
+        </p:txBody>
+      </p:sp>
+    </p:spTree>
+    <p:extLst>
+      <p:ext uri="{BB962C8B-B14F-4D97-AF65-F5344CB8AC3E}">
+        <p14:creationId xmlns:p14="http://schemas.microsoft.com/office/powerpoint/2010/main" val="487547321"/>
       </p:ext>
     </p:extLst>
   </p:cSld>
@@ -5800,6 +6019,1279 @@
         <p:cNvPr id="1" name="">
           <a:extLst>
             <a:ext uri="{FF2B5EF4-FFF2-40B4-BE49-F238E27FC236}">
+              <a16:creationId xmlns:a16="http://schemas.microsoft.com/office/drawing/2014/main" id="{CA49C6FD-2D28-AAFC-192B-DBB6FF2A3FE3}"/>
+            </a:ext>
+          </a:extLst>
+        </p:cNvPr>
+        <p:cNvGrpSpPr/>
+        <p:nvPr/>
+      </p:nvGrpSpPr>
+      <p:grpSpPr>
+        <a:xfrm>
+          <a:off x="0" y="0"/>
+          <a:ext cx="0" cy="0"/>
+          <a:chOff x="0" y="0"/>
+          <a:chExt cx="0" cy="0"/>
+        </a:xfrm>
+      </p:grpSpPr>
+      <p:sp>
+        <p:nvSpPr>
+          <p:cNvPr id="7" name="Title 1">
+            <a:extLst>
+              <a:ext uri="{FF2B5EF4-FFF2-40B4-BE49-F238E27FC236}">
+                <a16:creationId xmlns:a16="http://schemas.microsoft.com/office/drawing/2014/main" id="{FE1DE8CF-56C6-6431-57C8-35D42D3AFA6D}"/>
+              </a:ext>
+            </a:extLst>
+          </p:cNvPr>
+          <p:cNvSpPr txBox="1">
+            <a:spLocks/>
+          </p:cNvSpPr>
+          <p:nvPr/>
+        </p:nvSpPr>
+        <p:spPr>
+          <a:xfrm>
+            <a:off x="553328" y="194856"/>
+            <a:ext cx="8229600" cy="917848"/>
+          </a:xfrm>
+          <a:prstGeom prst="rect">
+            <a:avLst/>
+          </a:prstGeom>
+        </p:spPr>
+        <p:txBody>
+          <a:bodyPr/>
+          <a:lstStyle>
+            <a:lvl1pPr marL="0" marR="0" indent="0" algn="l" defTabSz="457200" rtl="0" eaLnBrk="1" fontAlgn="auto" latinLnBrk="0" hangingPunct="1">
+              <a:lnSpc>
+                <a:spcPct val="100000"/>
+              </a:lnSpc>
+              <a:spcBef>
+                <a:spcPct val="0"/>
+              </a:spcBef>
+              <a:spcAft>
+                <a:spcPts val="0"/>
+              </a:spcAft>
+              <a:buClrTx/>
+              <a:buSzTx/>
+              <a:buFontTx/>
+              <a:buNone/>
+              <a:tabLst/>
+              <a:defRPr sz="4400" b="0" i="0" kern="1200">
+                <a:solidFill>
+                  <a:srgbClr val="FF6600"/>
+                </a:solidFill>
+                <a:latin typeface="Cambria"/>
+                <a:ea typeface="+mj-ea"/>
+                <a:cs typeface="Cambria"/>
+              </a:defRPr>
+            </a:lvl1pPr>
+          </a:lstStyle>
+          <a:p>
+            <a:pPr marL="0" marR="0" lvl="0" indent="0" algn="l" defTabSz="457200" rtl="0" eaLnBrk="1" fontAlgn="auto" latinLnBrk="0" hangingPunct="1">
+              <a:lnSpc>
+                <a:spcPct val="100000"/>
+              </a:lnSpc>
+              <a:spcBef>
+                <a:spcPct val="0"/>
+              </a:spcBef>
+              <a:spcAft>
+                <a:spcPts val="0"/>
+              </a:spcAft>
+              <a:buClrTx/>
+              <a:buSzTx/>
+              <a:buFontTx/>
+              <a:buNone/>
+              <a:tabLst/>
+              <a:defRPr/>
+            </a:pPr>
+            <a:r>
+              <a:rPr kumimoji="0" lang="en-CA" sz="3600" b="1" i="0" u="none" strike="noStrike" kern="1200" cap="none" spc="0" normalizeH="0" baseline="0" noProof="0" dirty="0">
+                <a:ln>
+                  <a:noFill/>
+                </a:ln>
+                <a:solidFill>
+                  <a:srgbClr val="F15A22"/>
+                </a:solidFill>
+                <a:effectLst/>
+                <a:uLnTx/>
+                <a:uFillTx/>
+                <a:latin typeface="Cambria" panose="02040503050406030204" pitchFamily="18" charset="0"/>
+                <a:ea typeface="Roboto Thin"/>
+              </a:rPr>
+              <a:t>End-to-End Data Integration and Semantic Mapping Architecture</a:t>
+            </a:r>
+          </a:p>
+        </p:txBody>
+      </p:sp>
+      <p:pic>
+        <p:nvPicPr>
+          <p:cNvPr id="6" name="Picture 5">
+            <a:extLst>
+              <a:ext uri="{FF2B5EF4-FFF2-40B4-BE49-F238E27FC236}">
+                <a16:creationId xmlns:a16="http://schemas.microsoft.com/office/drawing/2014/main" id="{C9890B1E-C38B-84C9-E7AB-DCBD0E21C988}"/>
+              </a:ext>
+            </a:extLst>
+          </p:cNvPr>
+          <p:cNvPicPr>
+            <a:picLocks noChangeAspect="1"/>
+          </p:cNvPicPr>
+          <p:nvPr/>
+        </p:nvPicPr>
+        <p:blipFill>
+          <a:blip r:embed="rId2"/>
+          <a:stretch>
+            <a:fillRect/>
+          </a:stretch>
+        </p:blipFill>
+        <p:spPr>
+          <a:xfrm>
+            <a:off x="0" y="1934518"/>
+            <a:ext cx="12192000" cy="2988963"/>
+          </a:xfrm>
+          <a:prstGeom prst="rect">
+            <a:avLst/>
+          </a:prstGeom>
+        </p:spPr>
+      </p:pic>
+      <p:sp>
+        <p:nvSpPr>
+          <p:cNvPr id="2" name="Oval 1">
+            <a:extLst>
+              <a:ext uri="{FF2B5EF4-FFF2-40B4-BE49-F238E27FC236}">
+                <a16:creationId xmlns:a16="http://schemas.microsoft.com/office/drawing/2014/main" id="{0BE1A2BF-A4D6-C75A-06A2-2A97509E496F}"/>
+              </a:ext>
+            </a:extLst>
+          </p:cNvPr>
+          <p:cNvSpPr/>
+          <p:nvPr/>
+        </p:nvSpPr>
+        <p:spPr>
+          <a:xfrm>
+            <a:off x="-102636" y="2202023"/>
+            <a:ext cx="3480318" cy="2453951"/>
+          </a:xfrm>
+          <a:prstGeom prst="ellipse">
+            <a:avLst/>
+          </a:prstGeom>
+          <a:noFill/>
+          <a:ln w="57150">
+            <a:solidFill>
+              <a:srgbClr val="C00000"/>
+            </a:solidFill>
+          </a:ln>
+        </p:spPr>
+        <p:style>
+          <a:lnRef idx="1">
+            <a:schemeClr val="accent1"/>
+          </a:lnRef>
+          <a:fillRef idx="3">
+            <a:schemeClr val="accent1"/>
+          </a:fillRef>
+          <a:effectRef idx="2">
+            <a:schemeClr val="accent1"/>
+          </a:effectRef>
+          <a:fontRef idx="minor">
+            <a:schemeClr val="lt1"/>
+          </a:fontRef>
+        </p:style>
+        <p:txBody>
+          <a:bodyPr rtlCol="0" anchor="ctr"/>
+          <a:lstStyle/>
+          <a:p>
+            <a:pPr algn="ctr"/>
+            <a:endParaRPr lang="en-CA"/>
+          </a:p>
+        </p:txBody>
+      </p:sp>
+    </p:spTree>
+    <p:extLst>
+      <p:ext uri="{BB962C8B-B14F-4D97-AF65-F5344CB8AC3E}">
+        <p14:creationId xmlns:p14="http://schemas.microsoft.com/office/powerpoint/2010/main" val="646203763"/>
+      </p:ext>
+    </p:extLst>
+  </p:cSld>
+  <p:clrMapOvr>
+    <a:masterClrMapping/>
+  </p:clrMapOvr>
+</p:sld>
+</file>
+
+<file path=ppt/slides/slide11.xml><?xml version="1.0" encoding="utf-8"?>
+<p:sld xmlns:a="http://schemas.openxmlformats.org/drawingml/2006/main" xmlns:r="http://schemas.openxmlformats.org/officeDocument/2006/relationships" xmlns:p="http://schemas.openxmlformats.org/presentationml/2006/main">
+  <p:cSld>
+    <p:spTree>
+      <p:nvGrpSpPr>
+        <p:cNvPr id="1" name="">
+          <a:extLst>
+            <a:ext uri="{FF2B5EF4-FFF2-40B4-BE49-F238E27FC236}">
+              <a16:creationId xmlns:a16="http://schemas.microsoft.com/office/drawing/2014/main" id="{B620777D-FB6A-7CFC-DF66-B9B70C0CACEE}"/>
+            </a:ext>
+          </a:extLst>
+        </p:cNvPr>
+        <p:cNvGrpSpPr/>
+        <p:nvPr/>
+      </p:nvGrpSpPr>
+      <p:grpSpPr>
+        <a:xfrm>
+          <a:off x="0" y="0"/>
+          <a:ext cx="0" cy="0"/>
+          <a:chOff x="0" y="0"/>
+          <a:chExt cx="0" cy="0"/>
+        </a:xfrm>
+      </p:grpSpPr>
+      <p:sp>
+        <p:nvSpPr>
+          <p:cNvPr id="7" name="Title 1">
+            <a:extLst>
+              <a:ext uri="{FF2B5EF4-FFF2-40B4-BE49-F238E27FC236}">
+                <a16:creationId xmlns:a16="http://schemas.microsoft.com/office/drawing/2014/main" id="{AFFB3882-03AA-350A-6E95-6DC64F255977}"/>
+              </a:ext>
+            </a:extLst>
+          </p:cNvPr>
+          <p:cNvSpPr txBox="1">
+            <a:spLocks/>
+          </p:cNvSpPr>
+          <p:nvPr/>
+        </p:nvSpPr>
+        <p:spPr>
+          <a:xfrm>
+            <a:off x="553328" y="194856"/>
+            <a:ext cx="8229600" cy="917848"/>
+          </a:xfrm>
+          <a:prstGeom prst="rect">
+            <a:avLst/>
+          </a:prstGeom>
+        </p:spPr>
+        <p:txBody>
+          <a:bodyPr/>
+          <a:lstStyle>
+            <a:lvl1pPr marL="0" marR="0" indent="0" algn="l" defTabSz="457200" rtl="0" eaLnBrk="1" fontAlgn="auto" latinLnBrk="0" hangingPunct="1">
+              <a:lnSpc>
+                <a:spcPct val="100000"/>
+              </a:lnSpc>
+              <a:spcBef>
+                <a:spcPct val="0"/>
+              </a:spcBef>
+              <a:spcAft>
+                <a:spcPts val="0"/>
+              </a:spcAft>
+              <a:buClrTx/>
+              <a:buSzTx/>
+              <a:buFontTx/>
+              <a:buNone/>
+              <a:tabLst/>
+              <a:defRPr sz="4400" b="0" i="0" kern="1200">
+                <a:solidFill>
+                  <a:srgbClr val="FF6600"/>
+                </a:solidFill>
+                <a:latin typeface="Cambria"/>
+                <a:ea typeface="+mj-ea"/>
+                <a:cs typeface="Cambria"/>
+              </a:defRPr>
+            </a:lvl1pPr>
+          </a:lstStyle>
+          <a:p>
+            <a:pPr marL="0" marR="0" lvl="0" indent="0" algn="l" defTabSz="457200" rtl="0" eaLnBrk="1" fontAlgn="auto" latinLnBrk="0" hangingPunct="1">
+              <a:lnSpc>
+                <a:spcPct val="100000"/>
+              </a:lnSpc>
+              <a:spcBef>
+                <a:spcPct val="0"/>
+              </a:spcBef>
+              <a:spcAft>
+                <a:spcPts val="0"/>
+              </a:spcAft>
+              <a:buClrTx/>
+              <a:buSzTx/>
+              <a:buFontTx/>
+              <a:buNone/>
+              <a:tabLst/>
+              <a:defRPr/>
+            </a:pPr>
+            <a:r>
+              <a:rPr kumimoji="0" lang="en-CA" sz="3600" b="1" i="0" u="none" strike="noStrike" kern="1200" cap="none" spc="0" normalizeH="0" baseline="0" noProof="0" dirty="0">
+                <a:ln>
+                  <a:noFill/>
+                </a:ln>
+                <a:solidFill>
+                  <a:srgbClr val="F15A22"/>
+                </a:solidFill>
+                <a:effectLst/>
+                <a:uLnTx/>
+                <a:uFillTx/>
+                <a:latin typeface="Cambria" panose="02040503050406030204" pitchFamily="18" charset="0"/>
+                <a:ea typeface="Roboto Thin"/>
+              </a:rPr>
+              <a:t>Data Extraction from HAL</a:t>
+            </a:r>
+          </a:p>
+        </p:txBody>
+      </p:sp>
+      <p:pic>
+        <p:nvPicPr>
+          <p:cNvPr id="4" name="Picture 3">
+            <a:extLst>
+              <a:ext uri="{FF2B5EF4-FFF2-40B4-BE49-F238E27FC236}">
+                <a16:creationId xmlns:a16="http://schemas.microsoft.com/office/drawing/2014/main" id="{DDD74992-46F8-D416-639B-B82DF10C059D}"/>
+              </a:ext>
+            </a:extLst>
+          </p:cNvPr>
+          <p:cNvPicPr>
+            <a:picLocks noChangeAspect="1"/>
+          </p:cNvPicPr>
+          <p:nvPr/>
+        </p:nvPicPr>
+        <p:blipFill>
+          <a:blip r:embed="rId2"/>
+          <a:stretch>
+            <a:fillRect/>
+          </a:stretch>
+        </p:blipFill>
+        <p:spPr>
+          <a:xfrm>
+            <a:off x="2844798" y="1627157"/>
+            <a:ext cx="6690940" cy="4244708"/>
+          </a:xfrm>
+          <a:prstGeom prst="rect">
+            <a:avLst/>
+          </a:prstGeom>
+        </p:spPr>
+      </p:pic>
+    </p:spTree>
+    <p:extLst>
+      <p:ext uri="{BB962C8B-B14F-4D97-AF65-F5344CB8AC3E}">
+        <p14:creationId xmlns:p14="http://schemas.microsoft.com/office/powerpoint/2010/main" val="3062606115"/>
+      </p:ext>
+    </p:extLst>
+  </p:cSld>
+  <p:clrMapOvr>
+    <a:masterClrMapping/>
+  </p:clrMapOvr>
+</p:sld>
+</file>
+
+<file path=ppt/slides/slide12.xml><?xml version="1.0" encoding="utf-8"?>
+<p:sld xmlns:a="http://schemas.openxmlformats.org/drawingml/2006/main" xmlns:r="http://schemas.openxmlformats.org/officeDocument/2006/relationships" xmlns:p="http://schemas.openxmlformats.org/presentationml/2006/main">
+  <p:cSld>
+    <p:spTree>
+      <p:nvGrpSpPr>
+        <p:cNvPr id="1" name="">
+          <a:extLst>
+            <a:ext uri="{FF2B5EF4-FFF2-40B4-BE49-F238E27FC236}">
+              <a16:creationId xmlns:a16="http://schemas.microsoft.com/office/drawing/2014/main" id="{51158116-77B9-459B-7695-875D06CF87B2}"/>
+            </a:ext>
+          </a:extLst>
+        </p:cNvPr>
+        <p:cNvGrpSpPr/>
+        <p:nvPr/>
+      </p:nvGrpSpPr>
+      <p:grpSpPr>
+        <a:xfrm>
+          <a:off x="0" y="0"/>
+          <a:ext cx="0" cy="0"/>
+          <a:chOff x="0" y="0"/>
+          <a:chExt cx="0" cy="0"/>
+        </a:xfrm>
+      </p:grpSpPr>
+      <p:sp>
+        <p:nvSpPr>
+          <p:cNvPr id="7" name="Title 1">
+            <a:extLst>
+              <a:ext uri="{FF2B5EF4-FFF2-40B4-BE49-F238E27FC236}">
+                <a16:creationId xmlns:a16="http://schemas.microsoft.com/office/drawing/2014/main" id="{2EDD4809-9BBB-B3BC-CB32-754075135343}"/>
+              </a:ext>
+            </a:extLst>
+          </p:cNvPr>
+          <p:cNvSpPr txBox="1">
+            <a:spLocks/>
+          </p:cNvSpPr>
+          <p:nvPr/>
+        </p:nvSpPr>
+        <p:spPr>
+          <a:xfrm>
+            <a:off x="553328" y="194856"/>
+            <a:ext cx="8229600" cy="917848"/>
+          </a:xfrm>
+          <a:prstGeom prst="rect">
+            <a:avLst/>
+          </a:prstGeom>
+        </p:spPr>
+        <p:txBody>
+          <a:bodyPr/>
+          <a:lstStyle>
+            <a:lvl1pPr marL="0" marR="0" indent="0" algn="l" defTabSz="457200" rtl="0" eaLnBrk="1" fontAlgn="auto" latinLnBrk="0" hangingPunct="1">
+              <a:lnSpc>
+                <a:spcPct val="100000"/>
+              </a:lnSpc>
+              <a:spcBef>
+                <a:spcPct val="0"/>
+              </a:spcBef>
+              <a:spcAft>
+                <a:spcPts val="0"/>
+              </a:spcAft>
+              <a:buClrTx/>
+              <a:buSzTx/>
+              <a:buFontTx/>
+              <a:buNone/>
+              <a:tabLst/>
+              <a:defRPr sz="4400" b="0" i="0" kern="1200">
+                <a:solidFill>
+                  <a:srgbClr val="FF6600"/>
+                </a:solidFill>
+                <a:latin typeface="Cambria"/>
+                <a:ea typeface="+mj-ea"/>
+                <a:cs typeface="Cambria"/>
+              </a:defRPr>
+            </a:lvl1pPr>
+          </a:lstStyle>
+          <a:p>
+            <a:pPr marL="0" marR="0" lvl="0" indent="0" algn="l" defTabSz="457200" rtl="0" eaLnBrk="1" fontAlgn="auto" latinLnBrk="0" hangingPunct="1">
+              <a:lnSpc>
+                <a:spcPct val="100000"/>
+              </a:lnSpc>
+              <a:spcBef>
+                <a:spcPct val="0"/>
+              </a:spcBef>
+              <a:spcAft>
+                <a:spcPts val="0"/>
+              </a:spcAft>
+              <a:buClrTx/>
+              <a:buSzTx/>
+              <a:buFontTx/>
+              <a:buNone/>
+              <a:tabLst/>
+              <a:defRPr/>
+            </a:pPr>
+            <a:r>
+              <a:rPr kumimoji="0" lang="en-CA" sz="3600" b="1" i="0" u="none" strike="noStrike" kern="1200" cap="none" spc="0" normalizeH="0" baseline="0" noProof="0" dirty="0">
+                <a:ln>
+                  <a:noFill/>
+                </a:ln>
+                <a:solidFill>
+                  <a:srgbClr val="F15A22"/>
+                </a:solidFill>
+                <a:effectLst/>
+                <a:uLnTx/>
+                <a:uFillTx/>
+                <a:latin typeface="Cambria" panose="02040503050406030204" pitchFamily="18" charset="0"/>
+                <a:ea typeface="Roboto Thin"/>
+              </a:rPr>
+              <a:t>End-to-End Data Integration and Semantic Mapping Architecture</a:t>
+            </a:r>
+          </a:p>
+        </p:txBody>
+      </p:sp>
+      <p:pic>
+        <p:nvPicPr>
+          <p:cNvPr id="6" name="Picture 5">
+            <a:extLst>
+              <a:ext uri="{FF2B5EF4-FFF2-40B4-BE49-F238E27FC236}">
+                <a16:creationId xmlns:a16="http://schemas.microsoft.com/office/drawing/2014/main" id="{8789CC15-65C2-8211-1C6D-5BFBCFF0FD86}"/>
+              </a:ext>
+            </a:extLst>
+          </p:cNvPr>
+          <p:cNvPicPr>
+            <a:picLocks noChangeAspect="1"/>
+          </p:cNvPicPr>
+          <p:nvPr/>
+        </p:nvPicPr>
+        <p:blipFill>
+          <a:blip r:embed="rId2"/>
+          <a:stretch>
+            <a:fillRect/>
+          </a:stretch>
+        </p:blipFill>
+        <p:spPr>
+          <a:xfrm>
+            <a:off x="0" y="1934518"/>
+            <a:ext cx="12192000" cy="2988963"/>
+          </a:xfrm>
+          <a:prstGeom prst="rect">
+            <a:avLst/>
+          </a:prstGeom>
+        </p:spPr>
+      </p:pic>
+      <p:sp>
+        <p:nvSpPr>
+          <p:cNvPr id="2" name="Oval 1">
+            <a:extLst>
+              <a:ext uri="{FF2B5EF4-FFF2-40B4-BE49-F238E27FC236}">
+                <a16:creationId xmlns:a16="http://schemas.microsoft.com/office/drawing/2014/main" id="{AABF7843-5582-FE69-2DFE-65AC27C24741}"/>
+              </a:ext>
+            </a:extLst>
+          </p:cNvPr>
+          <p:cNvSpPr/>
+          <p:nvPr/>
+        </p:nvSpPr>
+        <p:spPr>
+          <a:xfrm>
+            <a:off x="2734831" y="1934519"/>
+            <a:ext cx="5956681" cy="3221076"/>
+          </a:xfrm>
+          <a:prstGeom prst="ellipse">
+            <a:avLst/>
+          </a:prstGeom>
+          <a:noFill/>
+          <a:ln w="57150">
+            <a:solidFill>
+              <a:srgbClr val="C00000"/>
+            </a:solidFill>
+          </a:ln>
+        </p:spPr>
+        <p:style>
+          <a:lnRef idx="1">
+            <a:schemeClr val="accent1"/>
+          </a:lnRef>
+          <a:fillRef idx="3">
+            <a:schemeClr val="accent1"/>
+          </a:fillRef>
+          <a:effectRef idx="2">
+            <a:schemeClr val="accent1"/>
+          </a:effectRef>
+          <a:fontRef idx="minor">
+            <a:schemeClr val="lt1"/>
+          </a:fontRef>
+        </p:style>
+        <p:txBody>
+          <a:bodyPr rtlCol="0" anchor="ctr"/>
+          <a:lstStyle/>
+          <a:p>
+            <a:pPr algn="ctr"/>
+            <a:endParaRPr lang="en-CA"/>
+          </a:p>
+        </p:txBody>
+      </p:sp>
+    </p:spTree>
+    <p:extLst>
+      <p:ext uri="{BB962C8B-B14F-4D97-AF65-F5344CB8AC3E}">
+        <p14:creationId xmlns:p14="http://schemas.microsoft.com/office/powerpoint/2010/main" val="2368715760"/>
+      </p:ext>
+    </p:extLst>
+  </p:cSld>
+  <p:clrMapOvr>
+    <a:masterClrMapping/>
+  </p:clrMapOvr>
+</p:sld>
+</file>
+
+<file path=ppt/slides/slide13.xml><?xml version="1.0" encoding="utf-8"?>
+<p:sld xmlns:a="http://schemas.openxmlformats.org/drawingml/2006/main" xmlns:r="http://schemas.openxmlformats.org/officeDocument/2006/relationships" xmlns:p="http://schemas.openxmlformats.org/presentationml/2006/main">
+  <p:cSld>
+    <p:spTree>
+      <p:nvGrpSpPr>
+        <p:cNvPr id="1" name="">
+          <a:extLst>
+            <a:ext uri="{FF2B5EF4-FFF2-40B4-BE49-F238E27FC236}">
+              <a16:creationId xmlns:a16="http://schemas.microsoft.com/office/drawing/2014/main" id="{9150B242-A7D8-E5B4-0730-FBD69D96003F}"/>
+            </a:ext>
+          </a:extLst>
+        </p:cNvPr>
+        <p:cNvGrpSpPr/>
+        <p:nvPr/>
+      </p:nvGrpSpPr>
+      <p:grpSpPr>
+        <a:xfrm>
+          <a:off x="0" y="0"/>
+          <a:ext cx="0" cy="0"/>
+          <a:chOff x="0" y="0"/>
+          <a:chExt cx="0" cy="0"/>
+        </a:xfrm>
+      </p:grpSpPr>
+      <p:sp>
+        <p:nvSpPr>
+          <p:cNvPr id="7" name="Title 1">
+            <a:extLst>
+              <a:ext uri="{FF2B5EF4-FFF2-40B4-BE49-F238E27FC236}">
+                <a16:creationId xmlns:a16="http://schemas.microsoft.com/office/drawing/2014/main" id="{A01767C5-D459-629A-F54F-0A0A39C9FA49}"/>
+              </a:ext>
+            </a:extLst>
+          </p:cNvPr>
+          <p:cNvSpPr txBox="1">
+            <a:spLocks/>
+          </p:cNvSpPr>
+          <p:nvPr/>
+        </p:nvSpPr>
+        <p:spPr>
+          <a:xfrm>
+            <a:off x="553328" y="194856"/>
+            <a:ext cx="8229600" cy="917848"/>
+          </a:xfrm>
+          <a:prstGeom prst="rect">
+            <a:avLst/>
+          </a:prstGeom>
+        </p:spPr>
+        <p:txBody>
+          <a:bodyPr/>
+          <a:lstStyle>
+            <a:lvl1pPr marL="0" marR="0" indent="0" algn="l" defTabSz="457200" rtl="0" eaLnBrk="1" fontAlgn="auto" latinLnBrk="0" hangingPunct="1">
+              <a:lnSpc>
+                <a:spcPct val="100000"/>
+              </a:lnSpc>
+              <a:spcBef>
+                <a:spcPct val="0"/>
+              </a:spcBef>
+              <a:spcAft>
+                <a:spcPts val="0"/>
+              </a:spcAft>
+              <a:buClrTx/>
+              <a:buSzTx/>
+              <a:buFontTx/>
+              <a:buNone/>
+              <a:tabLst/>
+              <a:defRPr sz="4400" b="0" i="0" kern="1200">
+                <a:solidFill>
+                  <a:srgbClr val="FF6600"/>
+                </a:solidFill>
+                <a:latin typeface="Cambria"/>
+                <a:ea typeface="+mj-ea"/>
+                <a:cs typeface="Cambria"/>
+              </a:defRPr>
+            </a:lvl1pPr>
+          </a:lstStyle>
+          <a:p>
+            <a:pPr marL="0" marR="0" lvl="0" indent="0" algn="l" defTabSz="457200" rtl="0" eaLnBrk="1" fontAlgn="auto" latinLnBrk="0" hangingPunct="1">
+              <a:lnSpc>
+                <a:spcPct val="100000"/>
+              </a:lnSpc>
+              <a:spcBef>
+                <a:spcPct val="0"/>
+              </a:spcBef>
+              <a:spcAft>
+                <a:spcPts val="0"/>
+              </a:spcAft>
+              <a:buClrTx/>
+              <a:buSzTx/>
+              <a:buFontTx/>
+              <a:buNone/>
+              <a:tabLst/>
+              <a:defRPr/>
+            </a:pPr>
+            <a:r>
+              <a:rPr kumimoji="0" lang="en-CA" sz="3600" b="1" i="0" u="none" strike="noStrike" kern="1200" cap="none" spc="0" normalizeH="0" baseline="0" noProof="0" dirty="0" err="1">
+                <a:ln>
+                  <a:noFill/>
+                </a:ln>
+                <a:solidFill>
+                  <a:srgbClr val="F15A22"/>
+                </a:solidFill>
+                <a:effectLst/>
+                <a:uLnTx/>
+                <a:uFillTx/>
+                <a:latin typeface="Cambria" panose="02040503050406030204" pitchFamily="18" charset="0"/>
+                <a:ea typeface="Roboto Thin"/>
+              </a:rPr>
+              <a:t>Wikidata</a:t>
+            </a:r>
+            <a:endParaRPr kumimoji="0" lang="en-CA" sz="3600" b="1" i="0" u="none" strike="noStrike" kern="1200" cap="none" spc="0" normalizeH="0" baseline="0" noProof="0" dirty="0">
+              <a:ln>
+                <a:noFill/>
+              </a:ln>
+              <a:solidFill>
+                <a:srgbClr val="F15A22"/>
+              </a:solidFill>
+              <a:effectLst/>
+              <a:uLnTx/>
+              <a:uFillTx/>
+              <a:latin typeface="Cambria" panose="02040503050406030204" pitchFamily="18" charset="0"/>
+              <a:ea typeface="Roboto Thin"/>
+            </a:endParaRPr>
+          </a:p>
+        </p:txBody>
+      </p:sp>
+      <p:pic>
+        <p:nvPicPr>
+          <p:cNvPr id="3" name="Picture 2">
+            <a:extLst>
+              <a:ext uri="{FF2B5EF4-FFF2-40B4-BE49-F238E27FC236}">
+                <a16:creationId xmlns:a16="http://schemas.microsoft.com/office/drawing/2014/main" id="{69D7FE4B-97EB-1887-626F-BA263FD4E703}"/>
+              </a:ext>
+            </a:extLst>
+          </p:cNvPr>
+          <p:cNvPicPr>
+            <a:picLocks noChangeAspect="1"/>
+          </p:cNvPicPr>
+          <p:nvPr/>
+        </p:nvPicPr>
+        <p:blipFill>
+          <a:blip r:embed="rId2"/>
+          <a:stretch>
+            <a:fillRect/>
+          </a:stretch>
+        </p:blipFill>
+        <p:spPr>
+          <a:xfrm>
+            <a:off x="0" y="1088899"/>
+            <a:ext cx="12192000" cy="4680202"/>
+          </a:xfrm>
+          <a:prstGeom prst="rect">
+            <a:avLst/>
+          </a:prstGeom>
+        </p:spPr>
+      </p:pic>
+    </p:spTree>
+    <p:extLst>
+      <p:ext uri="{BB962C8B-B14F-4D97-AF65-F5344CB8AC3E}">
+        <p14:creationId xmlns:p14="http://schemas.microsoft.com/office/powerpoint/2010/main" val="1509784447"/>
+      </p:ext>
+    </p:extLst>
+  </p:cSld>
+  <p:clrMapOvr>
+    <a:masterClrMapping/>
+  </p:clrMapOvr>
+</p:sld>
+</file>
+
+<file path=ppt/slides/slide14.xml><?xml version="1.0" encoding="utf-8"?>
+<p:sld xmlns:a="http://schemas.openxmlformats.org/drawingml/2006/main" xmlns:r="http://schemas.openxmlformats.org/officeDocument/2006/relationships" xmlns:p="http://schemas.openxmlformats.org/presentationml/2006/main">
+  <p:cSld>
+    <p:spTree>
+      <p:nvGrpSpPr>
+        <p:cNvPr id="1" name="">
+          <a:extLst>
+            <a:ext uri="{FF2B5EF4-FFF2-40B4-BE49-F238E27FC236}">
+              <a16:creationId xmlns:a16="http://schemas.microsoft.com/office/drawing/2014/main" id="{1EE6EDA5-03DC-536A-3BA9-3AAF4C6F6D3D}"/>
+            </a:ext>
+          </a:extLst>
+        </p:cNvPr>
+        <p:cNvGrpSpPr/>
+        <p:nvPr/>
+      </p:nvGrpSpPr>
+      <p:grpSpPr>
+        <a:xfrm>
+          <a:off x="0" y="0"/>
+          <a:ext cx="0" cy="0"/>
+          <a:chOff x="0" y="0"/>
+          <a:chExt cx="0" cy="0"/>
+        </a:xfrm>
+      </p:grpSpPr>
+      <p:sp>
+        <p:nvSpPr>
+          <p:cNvPr id="7" name="Title 1">
+            <a:extLst>
+              <a:ext uri="{FF2B5EF4-FFF2-40B4-BE49-F238E27FC236}">
+                <a16:creationId xmlns:a16="http://schemas.microsoft.com/office/drawing/2014/main" id="{1FFE6C1B-85DA-DFFE-7530-F001FAF9719B}"/>
+              </a:ext>
+            </a:extLst>
+          </p:cNvPr>
+          <p:cNvSpPr txBox="1">
+            <a:spLocks/>
+          </p:cNvSpPr>
+          <p:nvPr/>
+        </p:nvSpPr>
+        <p:spPr>
+          <a:xfrm>
+            <a:off x="675247" y="255816"/>
+            <a:ext cx="8229600" cy="917848"/>
+          </a:xfrm>
+          <a:prstGeom prst="rect">
+            <a:avLst/>
+          </a:prstGeom>
+        </p:spPr>
+        <p:txBody>
+          <a:bodyPr/>
+          <a:lstStyle>
+            <a:lvl1pPr marL="0" marR="0" indent="0" algn="l" defTabSz="457200" rtl="0" eaLnBrk="1" fontAlgn="auto" latinLnBrk="0" hangingPunct="1">
+              <a:lnSpc>
+                <a:spcPct val="100000"/>
+              </a:lnSpc>
+              <a:spcBef>
+                <a:spcPct val="0"/>
+              </a:spcBef>
+              <a:spcAft>
+                <a:spcPts val="0"/>
+              </a:spcAft>
+              <a:buClrTx/>
+              <a:buSzTx/>
+              <a:buFontTx/>
+              <a:buNone/>
+              <a:tabLst/>
+              <a:defRPr sz="4400" b="0" i="0" kern="1200">
+                <a:solidFill>
+                  <a:srgbClr val="FF6600"/>
+                </a:solidFill>
+                <a:latin typeface="Cambria"/>
+                <a:ea typeface="+mj-ea"/>
+                <a:cs typeface="Cambria"/>
+              </a:defRPr>
+            </a:lvl1pPr>
+          </a:lstStyle>
+          <a:p>
+            <a:pPr marL="0" marR="0" lvl="0" indent="0" algn="l" defTabSz="457200" rtl="0" eaLnBrk="1" fontAlgn="auto" latinLnBrk="0" hangingPunct="1">
+              <a:lnSpc>
+                <a:spcPct val="100000"/>
+              </a:lnSpc>
+              <a:spcBef>
+                <a:spcPct val="0"/>
+              </a:spcBef>
+              <a:spcAft>
+                <a:spcPts val="0"/>
+              </a:spcAft>
+              <a:buClrTx/>
+              <a:buSzTx/>
+              <a:buFontTx/>
+              <a:buNone/>
+              <a:tabLst/>
+              <a:defRPr/>
+            </a:pPr>
+            <a:r>
+              <a:rPr kumimoji="0" lang="en-CA" sz="3600" b="1" i="0" u="none" strike="noStrike" kern="1200" cap="none" spc="0" normalizeH="0" baseline="0" noProof="0">
+                <a:ln>
+                  <a:noFill/>
+                </a:ln>
+                <a:solidFill>
+                  <a:srgbClr val="F15A22"/>
+                </a:solidFill>
+                <a:effectLst/>
+                <a:uLnTx/>
+                <a:uFillTx/>
+                <a:latin typeface="Cambria" panose="02040503050406030204" pitchFamily="18" charset="0"/>
+                <a:ea typeface="Roboto Thin"/>
+              </a:rPr>
+              <a:t>Final documentation</a:t>
+            </a:r>
+          </a:p>
+        </p:txBody>
+      </p:sp>
+      <p:pic>
+        <p:nvPicPr>
+          <p:cNvPr id="4" name="Picture 3">
+            <a:extLst>
+              <a:ext uri="{FF2B5EF4-FFF2-40B4-BE49-F238E27FC236}">
+                <a16:creationId xmlns:a16="http://schemas.microsoft.com/office/drawing/2014/main" id="{D4FE7128-2CEC-9E75-F6AE-EE03FE6BA782}"/>
+              </a:ext>
+            </a:extLst>
+          </p:cNvPr>
+          <p:cNvPicPr>
+            <a:picLocks noChangeAspect="1"/>
+          </p:cNvPicPr>
+          <p:nvPr/>
+        </p:nvPicPr>
+        <p:blipFill>
+          <a:blip r:embed="rId2"/>
+          <a:stretch>
+            <a:fillRect/>
+          </a:stretch>
+        </p:blipFill>
+        <p:spPr>
+          <a:xfrm>
+            <a:off x="1314333" y="1113781"/>
+            <a:ext cx="10202420" cy="5744219"/>
+          </a:xfrm>
+          <a:prstGeom prst="rect">
+            <a:avLst/>
+          </a:prstGeom>
+        </p:spPr>
+      </p:pic>
+    </p:spTree>
+    <p:extLst>
+      <p:ext uri="{BB962C8B-B14F-4D97-AF65-F5344CB8AC3E}">
+        <p14:creationId xmlns:p14="http://schemas.microsoft.com/office/powerpoint/2010/main" val="222221960"/>
+      </p:ext>
+    </p:extLst>
+  </p:cSld>
+  <p:clrMapOvr>
+    <a:masterClrMapping/>
+  </p:clrMapOvr>
+</p:sld>
+</file>
+
+<file path=ppt/slides/slide15.xml><?xml version="1.0" encoding="utf-8"?>
+<p:sld xmlns:a="http://schemas.openxmlformats.org/drawingml/2006/main" xmlns:r="http://schemas.openxmlformats.org/officeDocument/2006/relationships" xmlns:p="http://schemas.openxmlformats.org/presentationml/2006/main">
+  <p:cSld>
+    <p:spTree>
+      <p:nvGrpSpPr>
+        <p:cNvPr id="1" name="">
+          <a:extLst>
+            <a:ext uri="{FF2B5EF4-FFF2-40B4-BE49-F238E27FC236}">
+              <a16:creationId xmlns:a16="http://schemas.microsoft.com/office/drawing/2014/main" id="{20D533B5-B813-1FBF-07D3-25E4A2AD6C6C}"/>
+            </a:ext>
+          </a:extLst>
+        </p:cNvPr>
+        <p:cNvGrpSpPr/>
+        <p:nvPr/>
+      </p:nvGrpSpPr>
+      <p:grpSpPr>
+        <a:xfrm>
+          <a:off x="0" y="0"/>
+          <a:ext cx="0" cy="0"/>
+          <a:chOff x="0" y="0"/>
+          <a:chExt cx="0" cy="0"/>
+        </a:xfrm>
+      </p:grpSpPr>
+      <p:sp>
+        <p:nvSpPr>
+          <p:cNvPr id="7" name="Title 1">
+            <a:extLst>
+              <a:ext uri="{FF2B5EF4-FFF2-40B4-BE49-F238E27FC236}">
+                <a16:creationId xmlns:a16="http://schemas.microsoft.com/office/drawing/2014/main" id="{62EAC0C7-4D2F-A1BA-B54B-DC060B95BB98}"/>
+              </a:ext>
+            </a:extLst>
+          </p:cNvPr>
+          <p:cNvSpPr txBox="1">
+            <a:spLocks/>
+          </p:cNvSpPr>
+          <p:nvPr/>
+        </p:nvSpPr>
+        <p:spPr>
+          <a:xfrm>
+            <a:off x="553328" y="194856"/>
+            <a:ext cx="8229600" cy="917848"/>
+          </a:xfrm>
+          <a:prstGeom prst="rect">
+            <a:avLst/>
+          </a:prstGeom>
+        </p:spPr>
+        <p:txBody>
+          <a:bodyPr/>
+          <a:lstStyle>
+            <a:lvl1pPr marL="0" marR="0" indent="0" algn="l" defTabSz="457200" rtl="0" eaLnBrk="1" fontAlgn="auto" latinLnBrk="0" hangingPunct="1">
+              <a:lnSpc>
+                <a:spcPct val="100000"/>
+              </a:lnSpc>
+              <a:spcBef>
+                <a:spcPct val="0"/>
+              </a:spcBef>
+              <a:spcAft>
+                <a:spcPts val="0"/>
+              </a:spcAft>
+              <a:buClrTx/>
+              <a:buSzTx/>
+              <a:buFontTx/>
+              <a:buNone/>
+              <a:tabLst/>
+              <a:defRPr sz="4400" b="0" i="0" kern="1200">
+                <a:solidFill>
+                  <a:srgbClr val="FF6600"/>
+                </a:solidFill>
+                <a:latin typeface="Cambria"/>
+                <a:ea typeface="+mj-ea"/>
+                <a:cs typeface="Cambria"/>
+              </a:defRPr>
+            </a:lvl1pPr>
+          </a:lstStyle>
+          <a:p>
+            <a:pPr marL="0" marR="0" lvl="0" indent="0" algn="l" defTabSz="457200" rtl="0" eaLnBrk="1" fontAlgn="auto" latinLnBrk="0" hangingPunct="1">
+              <a:lnSpc>
+                <a:spcPct val="100000"/>
+              </a:lnSpc>
+              <a:spcBef>
+                <a:spcPct val="0"/>
+              </a:spcBef>
+              <a:spcAft>
+                <a:spcPts val="0"/>
+              </a:spcAft>
+              <a:buClrTx/>
+              <a:buSzTx/>
+              <a:buFontTx/>
+              <a:buNone/>
+              <a:tabLst/>
+              <a:defRPr/>
+            </a:pPr>
+            <a:r>
+              <a:rPr kumimoji="0" lang="en-CA" sz="3600" b="1" i="0" u="none" strike="noStrike" kern="1200" cap="none" spc="0" normalizeH="0" baseline="0" noProof="0" dirty="0">
+                <a:ln>
+                  <a:noFill/>
+                </a:ln>
+                <a:solidFill>
+                  <a:srgbClr val="F15A22"/>
+                </a:solidFill>
+                <a:effectLst/>
+                <a:uLnTx/>
+                <a:uFillTx/>
+                <a:latin typeface="Cambria" panose="02040503050406030204" pitchFamily="18" charset="0"/>
+                <a:ea typeface="Roboto Thin"/>
+              </a:rPr>
+              <a:t>End-to-End Data Integration and Semantic Mapping Architecture</a:t>
+            </a:r>
+          </a:p>
+        </p:txBody>
+      </p:sp>
+      <p:pic>
+        <p:nvPicPr>
+          <p:cNvPr id="6" name="Picture 5">
+            <a:extLst>
+              <a:ext uri="{FF2B5EF4-FFF2-40B4-BE49-F238E27FC236}">
+                <a16:creationId xmlns:a16="http://schemas.microsoft.com/office/drawing/2014/main" id="{12E34420-C5B4-5505-B94A-E2ECFF1B5651}"/>
+              </a:ext>
+            </a:extLst>
+          </p:cNvPr>
+          <p:cNvPicPr>
+            <a:picLocks noChangeAspect="1"/>
+          </p:cNvPicPr>
+          <p:nvPr/>
+        </p:nvPicPr>
+        <p:blipFill>
+          <a:blip r:embed="rId2"/>
+          <a:stretch>
+            <a:fillRect/>
+          </a:stretch>
+        </p:blipFill>
+        <p:spPr>
+          <a:xfrm>
+            <a:off x="0" y="1934518"/>
+            <a:ext cx="12192000" cy="2988963"/>
+          </a:xfrm>
+          <a:prstGeom prst="rect">
+            <a:avLst/>
+          </a:prstGeom>
+        </p:spPr>
+      </p:pic>
+      <p:sp>
+        <p:nvSpPr>
+          <p:cNvPr id="2" name="Oval 1">
+            <a:extLst>
+              <a:ext uri="{FF2B5EF4-FFF2-40B4-BE49-F238E27FC236}">
+                <a16:creationId xmlns:a16="http://schemas.microsoft.com/office/drawing/2014/main" id="{4977540F-BA93-4618-7270-58A108C46F5E}"/>
+              </a:ext>
+            </a:extLst>
+          </p:cNvPr>
+          <p:cNvSpPr/>
+          <p:nvPr/>
+        </p:nvSpPr>
+        <p:spPr>
+          <a:xfrm>
+            <a:off x="6645897" y="1934519"/>
+            <a:ext cx="3299381" cy="3221076"/>
+          </a:xfrm>
+          <a:prstGeom prst="ellipse">
+            <a:avLst/>
+          </a:prstGeom>
+          <a:noFill/>
+          <a:ln w="57150">
+            <a:solidFill>
+              <a:srgbClr val="C00000"/>
+            </a:solidFill>
+          </a:ln>
+        </p:spPr>
+        <p:style>
+          <a:lnRef idx="1">
+            <a:schemeClr val="accent1"/>
+          </a:lnRef>
+          <a:fillRef idx="3">
+            <a:schemeClr val="accent1"/>
+          </a:fillRef>
+          <a:effectRef idx="2">
+            <a:schemeClr val="accent1"/>
+          </a:effectRef>
+          <a:fontRef idx="minor">
+            <a:schemeClr val="lt1"/>
+          </a:fontRef>
+        </p:style>
+        <p:txBody>
+          <a:bodyPr rtlCol="0" anchor="ctr"/>
+          <a:lstStyle/>
+          <a:p>
+            <a:pPr algn="ctr"/>
+            <a:endParaRPr lang="en-CA"/>
+          </a:p>
+        </p:txBody>
+      </p:sp>
+    </p:spTree>
+    <p:extLst>
+      <p:ext uri="{BB962C8B-B14F-4D97-AF65-F5344CB8AC3E}">
+        <p14:creationId xmlns:p14="http://schemas.microsoft.com/office/powerpoint/2010/main" val="2079002071"/>
+      </p:ext>
+    </p:extLst>
+  </p:cSld>
+  <p:clrMapOvr>
+    <a:masterClrMapping/>
+  </p:clrMapOvr>
+</p:sld>
+</file>
+
+<file path=ppt/slides/slide16.xml><?xml version="1.0" encoding="utf-8"?>
+<p:sld xmlns:a="http://schemas.openxmlformats.org/drawingml/2006/main" xmlns:r="http://schemas.openxmlformats.org/officeDocument/2006/relationships" xmlns:p="http://schemas.openxmlformats.org/presentationml/2006/main">
+  <p:cSld>
+    <p:spTree>
+      <p:nvGrpSpPr>
+        <p:cNvPr id="1" name="">
+          <a:extLst>
+            <a:ext uri="{FF2B5EF4-FFF2-40B4-BE49-F238E27FC236}">
+              <a16:creationId xmlns:a16="http://schemas.microsoft.com/office/drawing/2014/main" id="{97202C27-329C-AD3C-6EBC-BA0F9F73F9FD}"/>
+            </a:ext>
+          </a:extLst>
+        </p:cNvPr>
+        <p:cNvGrpSpPr/>
+        <p:nvPr/>
+      </p:nvGrpSpPr>
+      <p:grpSpPr>
+        <a:xfrm>
+          <a:off x="0" y="0"/>
+          <a:ext cx="0" cy="0"/>
+          <a:chOff x="0" y="0"/>
+          <a:chExt cx="0" cy="0"/>
+        </a:xfrm>
+      </p:grpSpPr>
+      <p:sp>
+        <p:nvSpPr>
+          <p:cNvPr id="7" name="Title 1">
+            <a:extLst>
+              <a:ext uri="{FF2B5EF4-FFF2-40B4-BE49-F238E27FC236}">
+                <a16:creationId xmlns:a16="http://schemas.microsoft.com/office/drawing/2014/main" id="{9177F078-5529-5BD2-4A7F-13306B874417}"/>
+              </a:ext>
+            </a:extLst>
+          </p:cNvPr>
+          <p:cNvSpPr txBox="1">
+            <a:spLocks/>
+          </p:cNvSpPr>
+          <p:nvPr/>
+        </p:nvSpPr>
+        <p:spPr>
+          <a:xfrm>
+            <a:off x="553328" y="194856"/>
+            <a:ext cx="8229600" cy="917848"/>
+          </a:xfrm>
+          <a:prstGeom prst="rect">
+            <a:avLst/>
+          </a:prstGeom>
+        </p:spPr>
+        <p:txBody>
+          <a:bodyPr/>
+          <a:lstStyle>
+            <a:lvl1pPr marL="0" marR="0" indent="0" algn="l" defTabSz="457200" rtl="0" eaLnBrk="1" fontAlgn="auto" latinLnBrk="0" hangingPunct="1">
+              <a:lnSpc>
+                <a:spcPct val="100000"/>
+              </a:lnSpc>
+              <a:spcBef>
+                <a:spcPct val="0"/>
+              </a:spcBef>
+              <a:spcAft>
+                <a:spcPts val="0"/>
+              </a:spcAft>
+              <a:buClrTx/>
+              <a:buSzTx/>
+              <a:buFontTx/>
+              <a:buNone/>
+              <a:tabLst/>
+              <a:defRPr sz="4400" b="0" i="0" kern="1200">
+                <a:solidFill>
+                  <a:srgbClr val="FF6600"/>
+                </a:solidFill>
+                <a:latin typeface="Cambria"/>
+                <a:ea typeface="+mj-ea"/>
+                <a:cs typeface="Cambria"/>
+              </a:defRPr>
+            </a:lvl1pPr>
+          </a:lstStyle>
+          <a:p>
+            <a:pPr marL="0" marR="0" lvl="0" indent="0" algn="l" defTabSz="457200" rtl="0" eaLnBrk="1" fontAlgn="auto" latinLnBrk="0" hangingPunct="1">
+              <a:lnSpc>
+                <a:spcPct val="100000"/>
+              </a:lnSpc>
+              <a:spcBef>
+                <a:spcPct val="0"/>
+              </a:spcBef>
+              <a:spcAft>
+                <a:spcPts val="0"/>
+              </a:spcAft>
+              <a:buClrTx/>
+              <a:buSzTx/>
+              <a:buFontTx/>
+              <a:buNone/>
+              <a:tabLst/>
+              <a:defRPr/>
+            </a:pPr>
+            <a:r>
+              <a:rPr kumimoji="0" lang="en-CA" sz="3600" b="1" i="0" u="none" strike="noStrike" kern="1200" cap="none" spc="0" normalizeH="0" baseline="0" noProof="0" dirty="0">
+                <a:ln>
+                  <a:noFill/>
+                </a:ln>
+                <a:solidFill>
+                  <a:srgbClr val="F15A22"/>
+                </a:solidFill>
+                <a:effectLst/>
+                <a:uLnTx/>
+                <a:uFillTx/>
+                <a:latin typeface="Cambria" panose="02040503050406030204" pitchFamily="18" charset="0"/>
+                <a:ea typeface="Roboto Thin"/>
+              </a:rPr>
+              <a:t>Human Validation and </a:t>
+            </a:r>
+            <a:r>
+              <a:rPr kumimoji="0" lang="en-CA" sz="3600" b="1" i="0" u="none" strike="noStrike" kern="1200" cap="none" spc="0" normalizeH="0" baseline="0" noProof="0" dirty="0" err="1">
+                <a:ln>
+                  <a:noFill/>
+                </a:ln>
+                <a:solidFill>
+                  <a:srgbClr val="F15A22"/>
+                </a:solidFill>
+                <a:effectLst/>
+                <a:uLnTx/>
+                <a:uFillTx/>
+                <a:latin typeface="Cambria" panose="02040503050406030204" pitchFamily="18" charset="0"/>
+                <a:ea typeface="Roboto Thin"/>
+              </a:rPr>
+              <a:t>Neo4j</a:t>
+            </a:r>
+            <a:r>
+              <a:rPr kumimoji="0" lang="en-CA" sz="3600" b="1" i="0" u="none" strike="noStrike" kern="1200" cap="none" spc="0" normalizeH="0" baseline="0" noProof="0" dirty="0">
+                <a:ln>
+                  <a:noFill/>
+                </a:ln>
+                <a:solidFill>
+                  <a:srgbClr val="F15A22"/>
+                </a:solidFill>
+                <a:effectLst/>
+                <a:uLnTx/>
+                <a:uFillTx/>
+                <a:latin typeface="Cambria" panose="02040503050406030204" pitchFamily="18" charset="0"/>
+                <a:ea typeface="Roboto Thin"/>
+              </a:rPr>
+              <a:t> + MySQL</a:t>
+            </a:r>
+          </a:p>
+        </p:txBody>
+      </p:sp>
+      <p:pic>
+        <p:nvPicPr>
+          <p:cNvPr id="4" name="Picture 3">
+            <a:extLst>
+              <a:ext uri="{FF2B5EF4-FFF2-40B4-BE49-F238E27FC236}">
+                <a16:creationId xmlns:a16="http://schemas.microsoft.com/office/drawing/2014/main" id="{EA3C751E-55CA-5731-D801-EBF638A31434}"/>
+              </a:ext>
+            </a:extLst>
+          </p:cNvPr>
+          <p:cNvPicPr>
+            <a:picLocks noChangeAspect="1"/>
+          </p:cNvPicPr>
+          <p:nvPr/>
+        </p:nvPicPr>
+        <p:blipFill>
+          <a:blip r:embed="rId2"/>
+          <a:stretch>
+            <a:fillRect/>
+          </a:stretch>
+        </p:blipFill>
+        <p:spPr>
+          <a:xfrm>
+            <a:off x="3249683" y="944664"/>
+            <a:ext cx="5692633" cy="4968671"/>
+          </a:xfrm>
+          <a:prstGeom prst="rect">
+            <a:avLst/>
+          </a:prstGeom>
+        </p:spPr>
+      </p:pic>
+    </p:spTree>
+    <p:extLst>
+      <p:ext uri="{BB962C8B-B14F-4D97-AF65-F5344CB8AC3E}">
+        <p14:creationId xmlns:p14="http://schemas.microsoft.com/office/powerpoint/2010/main" val="4010605729"/>
+      </p:ext>
+    </p:extLst>
+  </p:cSld>
+  <p:clrMapOvr>
+    <a:masterClrMapping/>
+  </p:clrMapOvr>
+</p:sld>
+</file>
+
+<file path=ppt/slides/slide17.xml><?xml version="1.0" encoding="utf-8"?>
+<p:sld xmlns:a="http://schemas.openxmlformats.org/drawingml/2006/main" xmlns:r="http://schemas.openxmlformats.org/officeDocument/2006/relationships" xmlns:p="http://schemas.openxmlformats.org/presentationml/2006/main">
+  <p:cSld>
+    <p:spTree>
+      <p:nvGrpSpPr>
+        <p:cNvPr id="1" name="">
+          <a:extLst>
+            <a:ext uri="{FF2B5EF4-FFF2-40B4-BE49-F238E27FC236}">
               <a16:creationId xmlns:a16="http://schemas.microsoft.com/office/drawing/2014/main" id="{04B1BD58-FB1A-D5E2-C8FB-D348175DBF6A}"/>
             </a:ext>
           </a:extLst>
@@ -5996,7 +7488,7 @@
 </p:sld>
 </file>
 
-<file path=ppt/slides/slide11.xml><?xml version="1.0" encoding="utf-8"?>
+<file path=ppt/slides/slide18.xml><?xml version="1.0" encoding="utf-8"?>
 <p:sld xmlns:a="http://schemas.openxmlformats.org/drawingml/2006/main" xmlns:r="http://schemas.openxmlformats.org/officeDocument/2006/relationships" xmlns:p="http://schemas.openxmlformats.org/presentationml/2006/main">
   <p:cSld>
     <p:spTree>
@@ -6155,6 +7647,1168 @@
   <p:cSld>
     <p:spTree>
       <p:nvGrpSpPr>
+        <p:cNvPr id="1" name=""/>
+        <p:cNvGrpSpPr/>
+        <p:nvPr/>
+      </p:nvGrpSpPr>
+      <p:grpSpPr>
+        <a:xfrm>
+          <a:off x="0" y="0"/>
+          <a:ext cx="0" cy="0"/>
+          <a:chOff x="0" y="0"/>
+          <a:chExt cx="0" cy="0"/>
+        </a:xfrm>
+      </p:grpSpPr>
+      <p:sp>
+        <p:nvSpPr>
+          <p:cNvPr id="2" name="Title 1">
+            <a:extLst>
+              <a:ext uri="{FF2B5EF4-FFF2-40B4-BE49-F238E27FC236}">
+                <a16:creationId xmlns:a16="http://schemas.microsoft.com/office/drawing/2014/main" id="{871F1A09-8430-68D1-C3C7-6011CB4095F0}"/>
+              </a:ext>
+            </a:extLst>
+          </p:cNvPr>
+          <p:cNvSpPr>
+            <a:spLocks noGrp="1"/>
+          </p:cNvSpPr>
+          <p:nvPr>
+            <p:ph type="title"/>
+          </p:nvPr>
+        </p:nvSpPr>
+        <p:spPr/>
+        <p:txBody>
+          <a:bodyPr/>
+          <a:lstStyle/>
+          <a:p>
+            <a:r>
+              <a:rPr lang="en-CA" dirty="0"/>
+              <a:t>Opening </a:t>
+            </a:r>
+          </a:p>
+        </p:txBody>
+      </p:sp>
+      <p:sp>
+        <p:nvSpPr>
+          <p:cNvPr id="3" name="Text Placeholder 2">
+            <a:extLst>
+              <a:ext uri="{FF2B5EF4-FFF2-40B4-BE49-F238E27FC236}">
+                <a16:creationId xmlns:a16="http://schemas.microsoft.com/office/drawing/2014/main" id="{249E69B1-C26D-255E-2FB6-D80253F19B56}"/>
+              </a:ext>
+            </a:extLst>
+          </p:cNvPr>
+          <p:cNvSpPr>
+            <a:spLocks noGrp="1"/>
+          </p:cNvSpPr>
+          <p:nvPr>
+            <p:ph type="body" sz="half" idx="2"/>
+          </p:nvPr>
+        </p:nvSpPr>
+        <p:spPr/>
+        <p:txBody>
+          <a:bodyPr/>
+          <a:lstStyle/>
+          <a:p>
+            <a:endParaRPr lang="en-CA"/>
+          </a:p>
+        </p:txBody>
+      </p:sp>
+      <p:sp>
+        <p:nvSpPr>
+          <p:cNvPr id="4" name="Content Placeholder 3">
+            <a:extLst>
+              <a:ext uri="{FF2B5EF4-FFF2-40B4-BE49-F238E27FC236}">
+                <a16:creationId xmlns:a16="http://schemas.microsoft.com/office/drawing/2014/main" id="{672FD895-9E10-E6CC-DC17-1F1D208E109F}"/>
+              </a:ext>
+            </a:extLst>
+          </p:cNvPr>
+          <p:cNvSpPr>
+            <a:spLocks noGrp="1"/>
+          </p:cNvSpPr>
+          <p:nvPr>
+            <p:ph sz="half" idx="12"/>
+          </p:nvPr>
+        </p:nvSpPr>
+        <p:spPr/>
+        <p:txBody>
+          <a:bodyPr/>
+          <a:lstStyle/>
+          <a:p>
+            <a:endParaRPr lang="en-CA"/>
+          </a:p>
+        </p:txBody>
+      </p:sp>
+    </p:spTree>
+    <p:extLst>
+      <p:ext uri="{BB962C8B-B14F-4D97-AF65-F5344CB8AC3E}">
+        <p14:creationId xmlns:p14="http://schemas.microsoft.com/office/powerpoint/2010/main" val="1614506655"/>
+      </p:ext>
+    </p:extLst>
+  </p:cSld>
+  <p:clrMapOvr>
+    <a:masterClrMapping/>
+  </p:clrMapOvr>
+</p:sld>
+</file>
+
+<file path=ppt/slides/slide3.xml><?xml version="1.0" encoding="utf-8"?>
+<p:sld xmlns:a="http://schemas.openxmlformats.org/drawingml/2006/main" xmlns:r="http://schemas.openxmlformats.org/officeDocument/2006/relationships" xmlns:p="http://schemas.openxmlformats.org/presentationml/2006/main">
+  <p:cSld>
+    <p:spTree>
+      <p:nvGrpSpPr>
+        <p:cNvPr id="1" name="">
+          <a:extLst>
+            <a:ext uri="{FF2B5EF4-FFF2-40B4-BE49-F238E27FC236}">
+              <a16:creationId xmlns:a16="http://schemas.microsoft.com/office/drawing/2014/main" id="{C456E25B-1405-E5FA-EA2E-74FAA44173B0}"/>
+            </a:ext>
+          </a:extLst>
+        </p:cNvPr>
+        <p:cNvGrpSpPr/>
+        <p:nvPr/>
+      </p:nvGrpSpPr>
+      <p:grpSpPr>
+        <a:xfrm>
+          <a:off x="0" y="0"/>
+          <a:ext cx="0" cy="0"/>
+          <a:chOff x="0" y="0"/>
+          <a:chExt cx="0" cy="0"/>
+        </a:xfrm>
+      </p:grpSpPr>
+      <p:sp>
+        <p:nvSpPr>
+          <p:cNvPr id="2" name="Title 1">
+            <a:extLst>
+              <a:ext uri="{FF2B5EF4-FFF2-40B4-BE49-F238E27FC236}">
+                <a16:creationId xmlns:a16="http://schemas.microsoft.com/office/drawing/2014/main" id="{77B2B34D-5ED0-03DC-950D-2436DF4394B1}"/>
+              </a:ext>
+            </a:extLst>
+          </p:cNvPr>
+          <p:cNvSpPr>
+            <a:spLocks noGrp="1"/>
+          </p:cNvSpPr>
+          <p:nvPr>
+            <p:ph type="title"/>
+          </p:nvPr>
+        </p:nvSpPr>
+        <p:spPr/>
+        <p:txBody>
+          <a:bodyPr/>
+          <a:lstStyle/>
+          <a:p>
+            <a:r>
+              <a:rPr lang="en-CA" dirty="0"/>
+              <a:t>Problem</a:t>
+            </a:r>
+          </a:p>
+        </p:txBody>
+      </p:sp>
+      <p:sp>
+        <p:nvSpPr>
+          <p:cNvPr id="3" name="Text Placeholder 2">
+            <a:extLst>
+              <a:ext uri="{FF2B5EF4-FFF2-40B4-BE49-F238E27FC236}">
+                <a16:creationId xmlns:a16="http://schemas.microsoft.com/office/drawing/2014/main" id="{D4791D23-F128-1AB9-AF74-AA6293E3DED1}"/>
+              </a:ext>
+            </a:extLst>
+          </p:cNvPr>
+          <p:cNvSpPr>
+            <a:spLocks noGrp="1"/>
+          </p:cNvSpPr>
+          <p:nvPr>
+            <p:ph type="body" sz="half" idx="2"/>
+          </p:nvPr>
+        </p:nvSpPr>
+        <p:spPr/>
+        <p:txBody>
+          <a:bodyPr/>
+          <a:lstStyle/>
+          <a:p>
+            <a:endParaRPr lang="en-CA"/>
+          </a:p>
+        </p:txBody>
+      </p:sp>
+      <p:sp>
+        <p:nvSpPr>
+          <p:cNvPr id="4" name="Content Placeholder 3">
+            <a:extLst>
+              <a:ext uri="{FF2B5EF4-FFF2-40B4-BE49-F238E27FC236}">
+                <a16:creationId xmlns:a16="http://schemas.microsoft.com/office/drawing/2014/main" id="{9FB35A7D-DDAD-52E7-8837-FC0E87367FE4}"/>
+              </a:ext>
+            </a:extLst>
+          </p:cNvPr>
+          <p:cNvSpPr>
+            <a:spLocks noGrp="1"/>
+          </p:cNvSpPr>
+          <p:nvPr>
+            <p:ph sz="half" idx="12"/>
+          </p:nvPr>
+        </p:nvSpPr>
+        <p:spPr/>
+        <p:txBody>
+          <a:bodyPr/>
+          <a:lstStyle/>
+          <a:p>
+            <a:r>
+              <a:rPr lang="en-CA" dirty="0"/>
+              <a:t>Scientific keywords are supposed to describe the core concepts of a paper… but in reality, they behave like rebels.</a:t>
+            </a:r>
+            <a:br>
+              <a:rPr lang="en-CA" dirty="0"/>
+            </a:br>
+            <a:r>
+              <a:rPr lang="en-CA" dirty="0"/>
+              <a:t>One word can mean five completely different things depending on the discipline.</a:t>
+            </a:r>
+          </a:p>
+        </p:txBody>
+      </p:sp>
+    </p:spTree>
+    <p:extLst>
+      <p:ext uri="{BB962C8B-B14F-4D97-AF65-F5344CB8AC3E}">
+        <p14:creationId xmlns:p14="http://schemas.microsoft.com/office/powerpoint/2010/main" val="756782931"/>
+      </p:ext>
+    </p:extLst>
+  </p:cSld>
+  <p:clrMapOvr>
+    <a:masterClrMapping/>
+  </p:clrMapOvr>
+</p:sld>
+</file>
+
+<file path=ppt/slides/slide4.xml><?xml version="1.0" encoding="utf-8"?>
+<p:sld xmlns:a="http://schemas.openxmlformats.org/drawingml/2006/main" xmlns:r="http://schemas.openxmlformats.org/officeDocument/2006/relationships" xmlns:p="http://schemas.openxmlformats.org/presentationml/2006/main">
+  <p:cSld>
+    <p:spTree>
+      <p:nvGrpSpPr>
+        <p:cNvPr id="1" name=""/>
+        <p:cNvGrpSpPr/>
+        <p:nvPr/>
+      </p:nvGrpSpPr>
+      <p:grpSpPr>
+        <a:xfrm>
+          <a:off x="0" y="0"/>
+          <a:ext cx="0" cy="0"/>
+          <a:chOff x="0" y="0"/>
+          <a:chExt cx="0" cy="0"/>
+        </a:xfrm>
+      </p:grpSpPr>
+      <p:sp>
+        <p:nvSpPr>
+          <p:cNvPr id="2" name="Title 1">
+            <a:extLst>
+              <a:ext uri="{FF2B5EF4-FFF2-40B4-BE49-F238E27FC236}">
+                <a16:creationId xmlns:a16="http://schemas.microsoft.com/office/drawing/2014/main" id="{B7DB3394-0276-4285-BDB7-A950E916467E}"/>
+              </a:ext>
+            </a:extLst>
+          </p:cNvPr>
+          <p:cNvSpPr>
+            <a:spLocks noGrp="1"/>
+          </p:cNvSpPr>
+          <p:nvPr>
+            <p:ph type="title"/>
+          </p:nvPr>
+        </p:nvSpPr>
+        <p:spPr/>
+        <p:txBody>
+          <a:bodyPr/>
+          <a:lstStyle/>
+          <a:p>
+            <a:r>
+              <a:rPr lang="en-CA" dirty="0"/>
+              <a:t>Project Context </a:t>
+            </a:r>
+          </a:p>
+        </p:txBody>
+      </p:sp>
+      <p:sp>
+        <p:nvSpPr>
+          <p:cNvPr id="3" name="Text Placeholder 2">
+            <a:extLst>
+              <a:ext uri="{FF2B5EF4-FFF2-40B4-BE49-F238E27FC236}">
+                <a16:creationId xmlns:a16="http://schemas.microsoft.com/office/drawing/2014/main" id="{BFBD9494-3879-6A04-2946-A059E084E5EA}"/>
+              </a:ext>
+            </a:extLst>
+          </p:cNvPr>
+          <p:cNvSpPr>
+            <a:spLocks noGrp="1"/>
+          </p:cNvSpPr>
+          <p:nvPr>
+            <p:ph type="body" sz="half" idx="2"/>
+          </p:nvPr>
+        </p:nvSpPr>
+        <p:spPr/>
+        <p:txBody>
+          <a:bodyPr/>
+          <a:lstStyle/>
+          <a:p>
+            <a:endParaRPr lang="en-CA"/>
+          </a:p>
+        </p:txBody>
+      </p:sp>
+      <p:sp>
+        <p:nvSpPr>
+          <p:cNvPr id="4" name="Content Placeholder 3">
+            <a:extLst>
+              <a:ext uri="{FF2B5EF4-FFF2-40B4-BE49-F238E27FC236}">
+                <a16:creationId xmlns:a16="http://schemas.microsoft.com/office/drawing/2014/main" id="{9C5633D7-0EAA-C9ED-DB25-2B344121272B}"/>
+              </a:ext>
+            </a:extLst>
+          </p:cNvPr>
+          <p:cNvSpPr>
+            <a:spLocks noGrp="1"/>
+          </p:cNvSpPr>
+          <p:nvPr>
+            <p:ph sz="half" idx="12"/>
+          </p:nvPr>
+        </p:nvSpPr>
+        <p:spPr/>
+        <p:txBody>
+          <a:bodyPr/>
+          <a:lstStyle/>
+          <a:p>
+            <a:r>
+              <a:rPr lang="en-CA" dirty="0"/>
+              <a:t>This project uses data from HAL, a large French scientific repository.</a:t>
+            </a:r>
+            <a:br>
+              <a:rPr lang="en-CA" dirty="0"/>
+            </a:br>
+            <a:r>
+              <a:rPr lang="en-CA" dirty="0"/>
+              <a:t>Our goal was not only to extract keywords from HAL, but to map each keyword to the correct </a:t>
+            </a:r>
+            <a:r>
+              <a:rPr lang="en-CA" dirty="0" err="1"/>
+              <a:t>Wikidata</a:t>
+            </a:r>
+            <a:r>
+              <a:rPr lang="en-CA" dirty="0"/>
+              <a:t> </a:t>
+            </a:r>
+            <a:r>
+              <a:rPr lang="en-CA" dirty="0" err="1"/>
+              <a:t>QID</a:t>
+            </a:r>
+            <a:r>
+              <a:rPr lang="en-CA" dirty="0"/>
+              <a:t>.</a:t>
+            </a:r>
+          </a:p>
+          <a:p>
+            <a:r>
+              <a:rPr lang="en-CA" dirty="0"/>
+              <a:t>Why </a:t>
+            </a:r>
+            <a:r>
+              <a:rPr lang="en-CA" dirty="0" err="1"/>
+              <a:t>Wikidata</a:t>
+            </a:r>
+            <a:r>
+              <a:rPr lang="en-CA" dirty="0"/>
+              <a:t>?</a:t>
+            </a:r>
+            <a:br>
+              <a:rPr lang="en-CA" dirty="0"/>
+            </a:br>
+            <a:r>
+              <a:rPr lang="en-CA" dirty="0"/>
+              <a:t>Because it’s structured, multilingual, and concept-based.</a:t>
+            </a:r>
+            <a:br>
+              <a:rPr lang="en-CA" dirty="0"/>
+            </a:br>
+            <a:r>
+              <a:rPr lang="en-CA" dirty="0"/>
+              <a:t>If we can anchor each scientific keyword to the right </a:t>
+            </a:r>
+            <a:r>
+              <a:rPr lang="en-CA" dirty="0" err="1"/>
+              <a:t>QID</a:t>
+            </a:r>
+            <a:r>
+              <a:rPr lang="en-CA" dirty="0"/>
+              <a:t>, then we can:</a:t>
+            </a:r>
+          </a:p>
+          <a:p>
+            <a:r>
+              <a:rPr lang="en-CA" dirty="0"/>
+              <a:t>Improve search</a:t>
+            </a:r>
+          </a:p>
+          <a:p>
+            <a:r>
+              <a:rPr lang="en-CA" dirty="0"/>
+              <a:t>Build domain networks</a:t>
+            </a:r>
+          </a:p>
+          <a:p>
+            <a:r>
+              <a:rPr lang="en-CA" dirty="0"/>
+              <a:t>Enable cross-disciplinary analysis</a:t>
+            </a:r>
+          </a:p>
+          <a:p>
+            <a:r>
+              <a:rPr lang="en-CA" dirty="0"/>
+              <a:t>And support downstream machine learning tasks</a:t>
+            </a:r>
+          </a:p>
+          <a:p>
+            <a:r>
+              <a:rPr lang="en-CA" dirty="0"/>
+              <a:t>So the objective is about creating a bridge between unstructured scientific language and structured knowledge graphs.</a:t>
+            </a:r>
+          </a:p>
+          <a:p>
+            <a:endParaRPr lang="en-CA" dirty="0"/>
+          </a:p>
+        </p:txBody>
+      </p:sp>
+    </p:spTree>
+    <p:extLst>
+      <p:ext uri="{BB962C8B-B14F-4D97-AF65-F5344CB8AC3E}">
+        <p14:creationId xmlns:p14="http://schemas.microsoft.com/office/powerpoint/2010/main" val="110917729"/>
+      </p:ext>
+    </p:extLst>
+  </p:cSld>
+  <p:clrMapOvr>
+    <a:masterClrMapping/>
+  </p:clrMapOvr>
+</p:sld>
+</file>
+
+<file path=ppt/slides/slide5.xml><?xml version="1.0" encoding="utf-8"?>
+<p:sld xmlns:a="http://schemas.openxmlformats.org/drawingml/2006/main" xmlns:r="http://schemas.openxmlformats.org/officeDocument/2006/relationships" xmlns:p="http://schemas.openxmlformats.org/presentationml/2006/main">
+  <p:cSld>
+    <p:spTree>
+      <p:nvGrpSpPr>
+        <p:cNvPr id="1" name="">
+          <a:extLst>
+            <a:ext uri="{FF2B5EF4-FFF2-40B4-BE49-F238E27FC236}">
+              <a16:creationId xmlns:a16="http://schemas.microsoft.com/office/drawing/2014/main" id="{34FB1480-E156-DC7D-F058-FB57A5D67508}"/>
+            </a:ext>
+          </a:extLst>
+        </p:cNvPr>
+        <p:cNvGrpSpPr/>
+        <p:nvPr/>
+      </p:nvGrpSpPr>
+      <p:grpSpPr>
+        <a:xfrm>
+          <a:off x="0" y="0"/>
+          <a:ext cx="0" cy="0"/>
+          <a:chOff x="0" y="0"/>
+          <a:chExt cx="0" cy="0"/>
+        </a:xfrm>
+      </p:grpSpPr>
+      <p:sp>
+        <p:nvSpPr>
+          <p:cNvPr id="2" name="Title 1">
+            <a:extLst>
+              <a:ext uri="{FF2B5EF4-FFF2-40B4-BE49-F238E27FC236}">
+                <a16:creationId xmlns:a16="http://schemas.microsoft.com/office/drawing/2014/main" id="{6E7924C8-AAEF-7BFF-8CAC-EDE0A9D08360}"/>
+              </a:ext>
+            </a:extLst>
+          </p:cNvPr>
+          <p:cNvSpPr>
+            <a:spLocks noGrp="1"/>
+          </p:cNvSpPr>
+          <p:nvPr>
+            <p:ph type="title"/>
+          </p:nvPr>
+        </p:nvSpPr>
+        <p:spPr/>
+        <p:txBody>
+          <a:bodyPr/>
+          <a:lstStyle/>
+          <a:p>
+            <a:r>
+              <a:rPr lang="en-CA" dirty="0"/>
+              <a:t>Solution</a:t>
+            </a:r>
+          </a:p>
+        </p:txBody>
+      </p:sp>
+      <p:sp>
+        <p:nvSpPr>
+          <p:cNvPr id="3" name="Text Placeholder 2">
+            <a:extLst>
+              <a:ext uri="{FF2B5EF4-FFF2-40B4-BE49-F238E27FC236}">
+                <a16:creationId xmlns:a16="http://schemas.microsoft.com/office/drawing/2014/main" id="{B41D5E5F-3085-7853-3605-7BC22756F11E}"/>
+              </a:ext>
+            </a:extLst>
+          </p:cNvPr>
+          <p:cNvSpPr>
+            <a:spLocks noGrp="1"/>
+          </p:cNvSpPr>
+          <p:nvPr>
+            <p:ph type="body" sz="half" idx="2"/>
+          </p:nvPr>
+        </p:nvSpPr>
+        <p:spPr/>
+        <p:txBody>
+          <a:bodyPr/>
+          <a:lstStyle/>
+          <a:p>
+            <a:r>
+              <a:rPr lang="en-CA" dirty="0"/>
+              <a:t>High-Level Architecture</a:t>
+            </a:r>
+          </a:p>
+        </p:txBody>
+      </p:sp>
+      <p:sp>
+        <p:nvSpPr>
+          <p:cNvPr id="4" name="Content Placeholder 3">
+            <a:extLst>
+              <a:ext uri="{FF2B5EF4-FFF2-40B4-BE49-F238E27FC236}">
+                <a16:creationId xmlns:a16="http://schemas.microsoft.com/office/drawing/2014/main" id="{899C7D2B-E4AD-4AD5-495B-E666AAFC30D4}"/>
+              </a:ext>
+            </a:extLst>
+          </p:cNvPr>
+          <p:cNvSpPr>
+            <a:spLocks noGrp="1"/>
+          </p:cNvSpPr>
+          <p:nvPr>
+            <p:ph sz="half" idx="12"/>
+          </p:nvPr>
+        </p:nvSpPr>
+        <p:spPr/>
+        <p:txBody>
+          <a:bodyPr/>
+          <a:lstStyle/>
+          <a:p>
+            <a:r>
+              <a:rPr lang="en-CA" dirty="0" err="1"/>
+              <a:t>SciKey</a:t>
+            </a:r>
+            <a:r>
+              <a:rPr lang="en-CA" dirty="0"/>
+              <a:t> works as a multi-stage pipeline:</a:t>
+            </a:r>
+          </a:p>
+          <a:p>
+            <a:pPr lvl="1"/>
+            <a:r>
+              <a:rPr lang="en-CA" dirty="0"/>
+              <a:t>Keyword extraction</a:t>
+            </a:r>
+          </a:p>
+          <a:p>
+            <a:pPr lvl="1"/>
+            <a:r>
+              <a:rPr lang="en-CA" dirty="0"/>
+              <a:t>Enrichment: fetching labels, aliases, descriptions, </a:t>
+            </a:r>
+            <a:r>
+              <a:rPr lang="en-CA" dirty="0" err="1"/>
+              <a:t>P31</a:t>
+            </a:r>
+            <a:r>
+              <a:rPr lang="en-CA" dirty="0"/>
+              <a:t>, </a:t>
+            </a:r>
+            <a:r>
+              <a:rPr lang="en-CA" dirty="0" err="1"/>
+              <a:t>P279</a:t>
+            </a:r>
+            <a:r>
+              <a:rPr lang="en-CA" dirty="0"/>
+              <a:t> paths</a:t>
+            </a:r>
+          </a:p>
+          <a:p>
+            <a:pPr lvl="1"/>
+            <a:r>
+              <a:rPr lang="en-CA" dirty="0"/>
+              <a:t>Scoring: combining all textual and structural signals</a:t>
+            </a:r>
+          </a:p>
+          <a:p>
+            <a:pPr lvl="1"/>
+            <a:r>
+              <a:rPr lang="en-CA" dirty="0"/>
+              <a:t>Ranking </a:t>
+            </a:r>
+            <a:r>
+              <a:rPr lang="en-CA" dirty="0" err="1"/>
+              <a:t>QIDs</a:t>
+            </a:r>
+            <a:endParaRPr lang="en-CA" dirty="0"/>
+          </a:p>
+          <a:p>
+            <a:pPr lvl="1"/>
+            <a:r>
+              <a:rPr lang="en-CA" dirty="0"/>
+              <a:t>Selecting the best match</a:t>
+            </a:r>
+          </a:p>
+          <a:p>
+            <a:pPr lvl="1"/>
+            <a:r>
+              <a:rPr lang="en-CA" dirty="0"/>
+              <a:t>Exporting results to MySQL and </a:t>
+            </a:r>
+            <a:r>
+              <a:rPr lang="en-CA" dirty="0" err="1"/>
+              <a:t>Neo4j</a:t>
+            </a:r>
+            <a:r>
+              <a:rPr lang="en-CA" dirty="0"/>
+              <a:t> for visualization</a:t>
+            </a:r>
+          </a:p>
+          <a:p>
+            <a:r>
+              <a:rPr lang="en-CA" dirty="0"/>
+              <a:t>Each stage contributes to a more reliable understanding of the keyword.</a:t>
+            </a:r>
+          </a:p>
+          <a:p>
+            <a:endParaRPr lang="en-CA" dirty="0"/>
+          </a:p>
+        </p:txBody>
+      </p:sp>
+    </p:spTree>
+    <p:extLst>
+      <p:ext uri="{BB962C8B-B14F-4D97-AF65-F5344CB8AC3E}">
+        <p14:creationId xmlns:p14="http://schemas.microsoft.com/office/powerpoint/2010/main" val="1134289052"/>
+      </p:ext>
+    </p:extLst>
+  </p:cSld>
+  <p:clrMapOvr>
+    <a:masterClrMapping/>
+  </p:clrMapOvr>
+</p:sld>
+</file>
+
+<file path=ppt/slides/slide6.xml><?xml version="1.0" encoding="utf-8"?>
+<p:sld xmlns:a="http://schemas.openxmlformats.org/drawingml/2006/main" xmlns:r="http://schemas.openxmlformats.org/officeDocument/2006/relationships" xmlns:p="http://schemas.openxmlformats.org/presentationml/2006/main">
+  <p:cSld>
+    <p:spTree>
+      <p:nvGrpSpPr>
+        <p:cNvPr id="1" name="">
+          <a:extLst>
+            <a:ext uri="{FF2B5EF4-FFF2-40B4-BE49-F238E27FC236}">
+              <a16:creationId xmlns:a16="http://schemas.microsoft.com/office/drawing/2014/main" id="{63F25EAE-1BDC-A0C4-6EF1-276DDDD11B18}"/>
+            </a:ext>
+          </a:extLst>
+        </p:cNvPr>
+        <p:cNvGrpSpPr/>
+        <p:nvPr/>
+      </p:nvGrpSpPr>
+      <p:grpSpPr>
+        <a:xfrm>
+          <a:off x="0" y="0"/>
+          <a:ext cx="0" cy="0"/>
+          <a:chOff x="0" y="0"/>
+          <a:chExt cx="0" cy="0"/>
+        </a:xfrm>
+      </p:grpSpPr>
+      <p:sp>
+        <p:nvSpPr>
+          <p:cNvPr id="2" name="Title 1">
+            <a:extLst>
+              <a:ext uri="{FF2B5EF4-FFF2-40B4-BE49-F238E27FC236}">
+                <a16:creationId xmlns:a16="http://schemas.microsoft.com/office/drawing/2014/main" id="{03EBC1D6-9DA6-1E8B-DE35-19E64E038056}"/>
+              </a:ext>
+            </a:extLst>
+          </p:cNvPr>
+          <p:cNvSpPr>
+            <a:spLocks noGrp="1"/>
+          </p:cNvSpPr>
+          <p:nvPr>
+            <p:ph type="title"/>
+          </p:nvPr>
+        </p:nvSpPr>
+        <p:spPr/>
+        <p:txBody>
+          <a:bodyPr/>
+          <a:lstStyle/>
+          <a:p>
+            <a:r>
+              <a:rPr lang="en-CA" dirty="0"/>
+              <a:t>Key Technical Components</a:t>
+            </a:r>
+          </a:p>
+        </p:txBody>
+      </p:sp>
+      <p:sp>
+        <p:nvSpPr>
+          <p:cNvPr id="3" name="Text Placeholder 2">
+            <a:extLst>
+              <a:ext uri="{FF2B5EF4-FFF2-40B4-BE49-F238E27FC236}">
+                <a16:creationId xmlns:a16="http://schemas.microsoft.com/office/drawing/2014/main" id="{B5B0A6FF-6074-642E-9320-CD4D9C500A67}"/>
+              </a:ext>
+            </a:extLst>
+          </p:cNvPr>
+          <p:cNvSpPr>
+            <a:spLocks noGrp="1"/>
+          </p:cNvSpPr>
+          <p:nvPr>
+            <p:ph type="body" sz="half" idx="2"/>
+          </p:nvPr>
+        </p:nvSpPr>
+        <p:spPr/>
+        <p:txBody>
+          <a:bodyPr/>
+          <a:lstStyle/>
+          <a:p>
+            <a:endParaRPr lang="en-CA" dirty="0"/>
+          </a:p>
+        </p:txBody>
+      </p:sp>
+      <p:sp>
+        <p:nvSpPr>
+          <p:cNvPr id="4" name="Content Placeholder 3">
+            <a:extLst>
+              <a:ext uri="{FF2B5EF4-FFF2-40B4-BE49-F238E27FC236}">
+                <a16:creationId xmlns:a16="http://schemas.microsoft.com/office/drawing/2014/main" id="{B1338857-B390-C932-5AA6-4825F3A8DAFE}"/>
+              </a:ext>
+            </a:extLst>
+          </p:cNvPr>
+          <p:cNvSpPr>
+            <a:spLocks noGrp="1"/>
+          </p:cNvSpPr>
+          <p:nvPr>
+            <p:ph sz="half" idx="12"/>
+          </p:nvPr>
+        </p:nvSpPr>
+        <p:spPr/>
+        <p:txBody>
+          <a:bodyPr/>
+          <a:lstStyle/>
+          <a:p>
+            <a:r>
+              <a:rPr lang="en-CA" dirty="0"/>
+              <a:t>Now the core of the system is the </a:t>
+            </a:r>
+            <a:r>
+              <a:rPr lang="en-CA" b="1" dirty="0"/>
+              <a:t>scoring engine, </a:t>
+            </a:r>
+            <a:r>
+              <a:rPr lang="en-CA" dirty="0"/>
+              <a:t>the part that decides which </a:t>
+            </a:r>
+            <a:r>
+              <a:rPr lang="en-CA" dirty="0" err="1"/>
+              <a:t>QID</a:t>
+            </a:r>
+            <a:r>
+              <a:rPr lang="en-CA" dirty="0"/>
+              <a:t> is the most accurate.</a:t>
+            </a:r>
+            <a:br>
+              <a:rPr lang="en-CA" dirty="0"/>
+            </a:br>
+            <a:r>
+              <a:rPr lang="en-CA" dirty="0"/>
+              <a:t>We designed it by combining several signals:</a:t>
+            </a:r>
+          </a:p>
+          <a:p>
+            <a:pPr lvl="1"/>
+            <a:r>
+              <a:rPr lang="en-CA" b="1" dirty="0"/>
+              <a:t>Label similarity:</a:t>
+            </a:r>
+            <a:r>
+              <a:rPr lang="en-CA" dirty="0"/>
+              <a:t> fuzzy match between the keyword and the </a:t>
+            </a:r>
+            <a:r>
+              <a:rPr lang="en-CA" dirty="0" err="1"/>
+              <a:t>QID</a:t>
+            </a:r>
+            <a:r>
+              <a:rPr lang="en-CA" dirty="0"/>
+              <a:t> label</a:t>
+            </a:r>
+          </a:p>
+          <a:p>
+            <a:pPr lvl="1"/>
+            <a:r>
+              <a:rPr lang="en-CA" b="1" dirty="0"/>
+              <a:t>Alias boost:</a:t>
+            </a:r>
+            <a:r>
+              <a:rPr lang="en-CA" dirty="0"/>
+              <a:t> especially helpful when a synonym is exact</a:t>
+            </a:r>
+          </a:p>
+          <a:p>
+            <a:pPr lvl="1"/>
+            <a:r>
+              <a:rPr lang="en-CA" b="1" dirty="0"/>
+              <a:t>Context similarity:</a:t>
+            </a:r>
+            <a:r>
+              <a:rPr lang="en-CA" dirty="0"/>
+              <a:t> matching the keyword with abstract, title, and domain context</a:t>
+            </a:r>
+          </a:p>
+          <a:p>
+            <a:pPr lvl="1"/>
+            <a:r>
+              <a:rPr lang="en-CA" b="1" dirty="0" err="1"/>
+              <a:t>P31</a:t>
+            </a:r>
+            <a:r>
+              <a:rPr lang="en-CA" b="1" dirty="0"/>
+              <a:t> and </a:t>
+            </a:r>
+            <a:r>
+              <a:rPr lang="en-CA" b="1" dirty="0" err="1"/>
+              <a:t>P279</a:t>
+            </a:r>
+            <a:r>
+              <a:rPr lang="en-CA" b="1" dirty="0"/>
+              <a:t> signals:</a:t>
+            </a:r>
+            <a:r>
+              <a:rPr lang="en-CA" dirty="0"/>
+              <a:t> instance-of and subclass-of help ensure semantic correctness</a:t>
+            </a:r>
+          </a:p>
+          <a:p>
+            <a:pPr lvl="1"/>
+            <a:r>
+              <a:rPr lang="en-CA" b="1" dirty="0"/>
+              <a:t>Sitelinks weight:</a:t>
+            </a:r>
+            <a:r>
+              <a:rPr lang="en-CA" dirty="0"/>
+              <a:t> higher sitelinks = stronger, well-established concept</a:t>
+            </a:r>
+          </a:p>
+          <a:p>
+            <a:r>
+              <a:rPr lang="en-CA" dirty="0"/>
+              <a:t>We also implemented debug tools such as debug_scores.csv that record every step of the scoring, allowing me to evaluate and refine each weight</a:t>
+            </a:r>
+          </a:p>
+          <a:p>
+            <a:endParaRPr lang="en-CA" dirty="0"/>
+          </a:p>
+        </p:txBody>
+      </p:sp>
+    </p:spTree>
+    <p:extLst>
+      <p:ext uri="{BB962C8B-B14F-4D97-AF65-F5344CB8AC3E}">
+        <p14:creationId xmlns:p14="http://schemas.microsoft.com/office/powerpoint/2010/main" val="2373130703"/>
+      </p:ext>
+    </p:extLst>
+  </p:cSld>
+  <p:clrMapOvr>
+    <a:masterClrMapping/>
+  </p:clrMapOvr>
+</p:sld>
+</file>
+
+<file path=ppt/slides/slide7.xml><?xml version="1.0" encoding="utf-8"?>
+<p:sld xmlns:a="http://schemas.openxmlformats.org/drawingml/2006/main" xmlns:r="http://schemas.openxmlformats.org/officeDocument/2006/relationships" xmlns:p="http://schemas.openxmlformats.org/presentationml/2006/main">
+  <p:cSld>
+    <p:spTree>
+      <p:nvGrpSpPr>
+        <p:cNvPr id="1" name="">
+          <a:extLst>
+            <a:ext uri="{FF2B5EF4-FFF2-40B4-BE49-F238E27FC236}">
+              <a16:creationId xmlns:a16="http://schemas.microsoft.com/office/drawing/2014/main" id="{4E03FB7E-8B46-41C3-A808-2639B0EE1A68}"/>
+            </a:ext>
+          </a:extLst>
+        </p:cNvPr>
+        <p:cNvGrpSpPr/>
+        <p:nvPr/>
+      </p:nvGrpSpPr>
+      <p:grpSpPr>
+        <a:xfrm>
+          <a:off x="0" y="0"/>
+          <a:ext cx="0" cy="0"/>
+          <a:chOff x="0" y="0"/>
+          <a:chExt cx="0" cy="0"/>
+        </a:xfrm>
+      </p:grpSpPr>
+      <p:sp>
+        <p:nvSpPr>
+          <p:cNvPr id="2" name="Title 1">
+            <a:extLst>
+              <a:ext uri="{FF2B5EF4-FFF2-40B4-BE49-F238E27FC236}">
+                <a16:creationId xmlns:a16="http://schemas.microsoft.com/office/drawing/2014/main" id="{C0035E66-404A-3912-D160-0682354135B5}"/>
+              </a:ext>
+            </a:extLst>
+          </p:cNvPr>
+          <p:cNvSpPr>
+            <a:spLocks noGrp="1"/>
+          </p:cNvSpPr>
+          <p:nvPr>
+            <p:ph type="title"/>
+          </p:nvPr>
+        </p:nvSpPr>
+        <p:spPr/>
+        <p:txBody>
+          <a:bodyPr/>
+          <a:lstStyle/>
+          <a:p>
+            <a:r>
+              <a:rPr lang="en-CA" dirty="0"/>
+              <a:t>Generalization</a:t>
+            </a:r>
+          </a:p>
+        </p:txBody>
+      </p:sp>
+      <p:sp>
+        <p:nvSpPr>
+          <p:cNvPr id="3" name="Text Placeholder 2">
+            <a:extLst>
+              <a:ext uri="{FF2B5EF4-FFF2-40B4-BE49-F238E27FC236}">
+                <a16:creationId xmlns:a16="http://schemas.microsoft.com/office/drawing/2014/main" id="{521DF0D4-D22C-5599-F68F-2D8D58579462}"/>
+              </a:ext>
+            </a:extLst>
+          </p:cNvPr>
+          <p:cNvSpPr>
+            <a:spLocks noGrp="1"/>
+          </p:cNvSpPr>
+          <p:nvPr>
+            <p:ph type="body" sz="half" idx="2"/>
+          </p:nvPr>
+        </p:nvSpPr>
+        <p:spPr/>
+        <p:txBody>
+          <a:bodyPr/>
+          <a:lstStyle/>
+          <a:p>
+            <a:r>
+              <a:rPr lang="en-CA" dirty="0"/>
+              <a:t>High-Level Architecture</a:t>
+            </a:r>
+          </a:p>
+        </p:txBody>
+      </p:sp>
+      <p:sp>
+        <p:nvSpPr>
+          <p:cNvPr id="4" name="Content Placeholder 3">
+            <a:extLst>
+              <a:ext uri="{FF2B5EF4-FFF2-40B4-BE49-F238E27FC236}">
+                <a16:creationId xmlns:a16="http://schemas.microsoft.com/office/drawing/2014/main" id="{C1A1FF07-488E-3043-8766-5D43F10F4D89}"/>
+              </a:ext>
+            </a:extLst>
+          </p:cNvPr>
+          <p:cNvSpPr>
+            <a:spLocks noGrp="1"/>
+          </p:cNvSpPr>
+          <p:nvPr>
+            <p:ph sz="half" idx="12"/>
+          </p:nvPr>
+        </p:nvSpPr>
+        <p:spPr/>
+        <p:txBody>
+          <a:bodyPr/>
+          <a:lstStyle/>
+          <a:p>
+            <a:r>
+              <a:rPr lang="en-CA" dirty="0" err="1"/>
+              <a:t>SciKey</a:t>
+            </a:r>
+            <a:r>
+              <a:rPr lang="en-CA" dirty="0"/>
+              <a:t> isn’t hardcoded for chemistry or biology.</a:t>
+            </a:r>
+          </a:p>
+          <a:p>
+            <a:r>
+              <a:rPr lang="en-CA" dirty="0"/>
+              <a:t>The engine was designed to be </a:t>
+            </a:r>
+            <a:r>
+              <a:rPr lang="en-CA" b="1" dirty="0"/>
+              <a:t>domain-agnostic</a:t>
+            </a:r>
+            <a:r>
+              <a:rPr lang="en-CA" dirty="0"/>
+              <a:t>.</a:t>
+            </a:r>
+            <a:br>
+              <a:rPr lang="en-CA" dirty="0"/>
+            </a:br>
+            <a:r>
+              <a:rPr lang="en-CA" dirty="0"/>
+              <a:t>The same logic works for:</a:t>
+            </a:r>
+          </a:p>
+          <a:p>
+            <a:pPr lvl="1"/>
+            <a:r>
+              <a:rPr lang="en-CA" dirty="0"/>
+              <a:t>chemistry</a:t>
+            </a:r>
+          </a:p>
+          <a:p>
+            <a:pPr lvl="1"/>
+            <a:r>
+              <a:rPr lang="en-CA" dirty="0"/>
+              <a:t>Civil engineering</a:t>
+            </a:r>
+          </a:p>
+          <a:p>
+            <a:pPr lvl="1"/>
+            <a:r>
+              <a:rPr lang="en-CA" dirty="0"/>
+              <a:t>Political science</a:t>
+            </a:r>
+          </a:p>
+          <a:p>
+            <a:pPr lvl="1"/>
+            <a:r>
+              <a:rPr lang="en-CA" dirty="0"/>
+              <a:t>Marketing</a:t>
+            </a:r>
+          </a:p>
+          <a:p>
+            <a:r>
+              <a:rPr lang="en-CA" dirty="0"/>
+              <a:t>This makes the system scalable for future repositories.</a:t>
+            </a:r>
+          </a:p>
+          <a:p>
+            <a:endParaRPr lang="en-CA" dirty="0"/>
+          </a:p>
+        </p:txBody>
+      </p:sp>
+    </p:spTree>
+    <p:extLst>
+      <p:ext uri="{BB962C8B-B14F-4D97-AF65-F5344CB8AC3E}">
+        <p14:creationId xmlns:p14="http://schemas.microsoft.com/office/powerpoint/2010/main" val="1279939046"/>
+      </p:ext>
+    </p:extLst>
+  </p:cSld>
+  <p:clrMapOvr>
+    <a:masterClrMapping/>
+  </p:clrMapOvr>
+</p:sld>
+</file>
+
+<file path=ppt/slides/slide8.xml><?xml version="1.0" encoding="utf-8"?>
+<p:sld xmlns:a="http://schemas.openxmlformats.org/drawingml/2006/main" xmlns:r="http://schemas.openxmlformats.org/officeDocument/2006/relationships" xmlns:p="http://schemas.openxmlformats.org/presentationml/2006/main">
+  <p:cSld>
+    <p:spTree>
+      <p:nvGrpSpPr>
+        <p:cNvPr id="1" name="">
+          <a:extLst>
+            <a:ext uri="{FF2B5EF4-FFF2-40B4-BE49-F238E27FC236}">
+              <a16:creationId xmlns:a16="http://schemas.microsoft.com/office/drawing/2014/main" id="{0A8F87C2-6B62-48B8-732F-CABD437F6DC5}"/>
+            </a:ext>
+          </a:extLst>
+        </p:cNvPr>
+        <p:cNvGrpSpPr/>
+        <p:nvPr/>
+      </p:nvGrpSpPr>
+      <p:grpSpPr>
+        <a:xfrm>
+          <a:off x="0" y="0"/>
+          <a:ext cx="0" cy="0"/>
+          <a:chOff x="0" y="0"/>
+          <a:chExt cx="0" cy="0"/>
+        </a:xfrm>
+      </p:grpSpPr>
+      <p:sp>
+        <p:nvSpPr>
+          <p:cNvPr id="2" name="Title 1">
+            <a:extLst>
+              <a:ext uri="{FF2B5EF4-FFF2-40B4-BE49-F238E27FC236}">
+                <a16:creationId xmlns:a16="http://schemas.microsoft.com/office/drawing/2014/main" id="{84BA5A1A-1B51-BEA9-0096-A27D7764D3C3}"/>
+              </a:ext>
+            </a:extLst>
+          </p:cNvPr>
+          <p:cNvSpPr>
+            <a:spLocks noGrp="1"/>
+          </p:cNvSpPr>
+          <p:nvPr>
+            <p:ph type="title"/>
+          </p:nvPr>
+        </p:nvSpPr>
+        <p:spPr/>
+        <p:txBody>
+          <a:bodyPr/>
+          <a:lstStyle/>
+          <a:p>
+            <a:r>
+              <a:rPr lang="en-CA" dirty="0"/>
+              <a:t>Results</a:t>
+            </a:r>
+          </a:p>
+        </p:txBody>
+      </p:sp>
+      <p:sp>
+        <p:nvSpPr>
+          <p:cNvPr id="3" name="Text Placeholder 2">
+            <a:extLst>
+              <a:ext uri="{FF2B5EF4-FFF2-40B4-BE49-F238E27FC236}">
+                <a16:creationId xmlns:a16="http://schemas.microsoft.com/office/drawing/2014/main" id="{67C8E470-5ABB-3CC7-B35F-407A934688A8}"/>
+              </a:ext>
+            </a:extLst>
+          </p:cNvPr>
+          <p:cNvSpPr>
+            <a:spLocks noGrp="1"/>
+          </p:cNvSpPr>
+          <p:nvPr>
+            <p:ph type="body" sz="half" idx="2"/>
+          </p:nvPr>
+        </p:nvSpPr>
+        <p:spPr/>
+        <p:txBody>
+          <a:bodyPr/>
+          <a:lstStyle/>
+          <a:p>
+            <a:r>
+              <a:rPr lang="en-CA" dirty="0"/>
+              <a:t>High-Level Architecture</a:t>
+            </a:r>
+          </a:p>
+        </p:txBody>
+      </p:sp>
+      <p:sp>
+        <p:nvSpPr>
+          <p:cNvPr id="4" name="Content Placeholder 3">
+            <a:extLst>
+              <a:ext uri="{FF2B5EF4-FFF2-40B4-BE49-F238E27FC236}">
+                <a16:creationId xmlns:a16="http://schemas.microsoft.com/office/drawing/2014/main" id="{4BDA6939-CE5B-4884-CAB2-E52D5B53030C}"/>
+              </a:ext>
+            </a:extLst>
+          </p:cNvPr>
+          <p:cNvSpPr>
+            <a:spLocks noGrp="1"/>
+          </p:cNvSpPr>
+          <p:nvPr>
+            <p:ph sz="half" idx="12"/>
+          </p:nvPr>
+        </p:nvSpPr>
+        <p:spPr/>
+        <p:txBody>
+          <a:bodyPr/>
+          <a:lstStyle/>
+          <a:p>
+            <a:endParaRPr lang="en-CA" dirty="0"/>
+          </a:p>
+        </p:txBody>
+      </p:sp>
+    </p:spTree>
+    <p:extLst>
+      <p:ext uri="{BB962C8B-B14F-4D97-AF65-F5344CB8AC3E}">
+        <p14:creationId xmlns:p14="http://schemas.microsoft.com/office/powerpoint/2010/main" val="769671877"/>
+      </p:ext>
+    </p:extLst>
+  </p:cSld>
+  <p:clrMapOvr>
+    <a:masterClrMapping/>
+  </p:clrMapOvr>
+</p:sld>
+</file>
+
+<file path=ppt/slides/slide9.xml><?xml version="1.0" encoding="utf-8"?>
+<p:sld xmlns:a="http://schemas.openxmlformats.org/drawingml/2006/main" xmlns:r="http://schemas.openxmlformats.org/officeDocument/2006/relationships" xmlns:p="http://schemas.openxmlformats.org/presentationml/2006/main">
+  <p:cSld>
+    <p:spTree>
+      <p:nvGrpSpPr>
         <p:cNvPr id="1" name="">
           <a:extLst>
             <a:ext uri="{FF2B5EF4-FFF2-40B4-BE49-F238E27FC236}">
@@ -6295,1279 +8949,6 @@
     <p:extLst>
       <p:ext uri="{BB962C8B-B14F-4D97-AF65-F5344CB8AC3E}">
         <p14:creationId xmlns:p14="http://schemas.microsoft.com/office/powerpoint/2010/main" val="1704826437"/>
-      </p:ext>
-    </p:extLst>
-  </p:cSld>
-  <p:clrMapOvr>
-    <a:masterClrMapping/>
-  </p:clrMapOvr>
-</p:sld>
-</file>
-
-<file path=ppt/slides/slide3.xml><?xml version="1.0" encoding="utf-8"?>
-<p:sld xmlns:a="http://schemas.openxmlformats.org/drawingml/2006/main" xmlns:r="http://schemas.openxmlformats.org/officeDocument/2006/relationships" xmlns:p="http://schemas.openxmlformats.org/presentationml/2006/main">
-  <p:cSld>
-    <p:spTree>
-      <p:nvGrpSpPr>
-        <p:cNvPr id="1" name="">
-          <a:extLst>
-            <a:ext uri="{FF2B5EF4-FFF2-40B4-BE49-F238E27FC236}">
-              <a16:creationId xmlns:a16="http://schemas.microsoft.com/office/drawing/2014/main" id="{CA49C6FD-2D28-AAFC-192B-DBB6FF2A3FE3}"/>
-            </a:ext>
-          </a:extLst>
-        </p:cNvPr>
-        <p:cNvGrpSpPr/>
-        <p:nvPr/>
-      </p:nvGrpSpPr>
-      <p:grpSpPr>
-        <a:xfrm>
-          <a:off x="0" y="0"/>
-          <a:ext cx="0" cy="0"/>
-          <a:chOff x="0" y="0"/>
-          <a:chExt cx="0" cy="0"/>
-        </a:xfrm>
-      </p:grpSpPr>
-      <p:sp>
-        <p:nvSpPr>
-          <p:cNvPr id="7" name="Title 1">
-            <a:extLst>
-              <a:ext uri="{FF2B5EF4-FFF2-40B4-BE49-F238E27FC236}">
-                <a16:creationId xmlns:a16="http://schemas.microsoft.com/office/drawing/2014/main" id="{FE1DE8CF-56C6-6431-57C8-35D42D3AFA6D}"/>
-              </a:ext>
-            </a:extLst>
-          </p:cNvPr>
-          <p:cNvSpPr txBox="1">
-            <a:spLocks/>
-          </p:cNvSpPr>
-          <p:nvPr/>
-        </p:nvSpPr>
-        <p:spPr>
-          <a:xfrm>
-            <a:off x="553328" y="194856"/>
-            <a:ext cx="8229600" cy="917848"/>
-          </a:xfrm>
-          <a:prstGeom prst="rect">
-            <a:avLst/>
-          </a:prstGeom>
-        </p:spPr>
-        <p:txBody>
-          <a:bodyPr/>
-          <a:lstStyle>
-            <a:lvl1pPr marL="0" marR="0" indent="0" algn="l" defTabSz="457200" rtl="0" eaLnBrk="1" fontAlgn="auto" latinLnBrk="0" hangingPunct="1">
-              <a:lnSpc>
-                <a:spcPct val="100000"/>
-              </a:lnSpc>
-              <a:spcBef>
-                <a:spcPct val="0"/>
-              </a:spcBef>
-              <a:spcAft>
-                <a:spcPts val="0"/>
-              </a:spcAft>
-              <a:buClrTx/>
-              <a:buSzTx/>
-              <a:buFontTx/>
-              <a:buNone/>
-              <a:tabLst/>
-              <a:defRPr sz="4400" b="0" i="0" kern="1200">
-                <a:solidFill>
-                  <a:srgbClr val="FF6600"/>
-                </a:solidFill>
-                <a:latin typeface="Cambria"/>
-                <a:ea typeface="+mj-ea"/>
-                <a:cs typeface="Cambria"/>
-              </a:defRPr>
-            </a:lvl1pPr>
-          </a:lstStyle>
-          <a:p>
-            <a:pPr marL="0" marR="0" lvl="0" indent="0" algn="l" defTabSz="457200" rtl="0" eaLnBrk="1" fontAlgn="auto" latinLnBrk="0" hangingPunct="1">
-              <a:lnSpc>
-                <a:spcPct val="100000"/>
-              </a:lnSpc>
-              <a:spcBef>
-                <a:spcPct val="0"/>
-              </a:spcBef>
-              <a:spcAft>
-                <a:spcPts val="0"/>
-              </a:spcAft>
-              <a:buClrTx/>
-              <a:buSzTx/>
-              <a:buFontTx/>
-              <a:buNone/>
-              <a:tabLst/>
-              <a:defRPr/>
-            </a:pPr>
-            <a:r>
-              <a:rPr kumimoji="0" lang="en-CA" sz="3600" b="1" i="0" u="none" strike="noStrike" kern="1200" cap="none" spc="0" normalizeH="0" baseline="0" noProof="0" dirty="0">
-                <a:ln>
-                  <a:noFill/>
-                </a:ln>
-                <a:solidFill>
-                  <a:srgbClr val="F15A22"/>
-                </a:solidFill>
-                <a:effectLst/>
-                <a:uLnTx/>
-                <a:uFillTx/>
-                <a:latin typeface="Cambria" panose="02040503050406030204" pitchFamily="18" charset="0"/>
-                <a:ea typeface="Roboto Thin"/>
-              </a:rPr>
-              <a:t>End-to-End Data Integration and Semantic Mapping Architecture</a:t>
-            </a:r>
-          </a:p>
-        </p:txBody>
-      </p:sp>
-      <p:pic>
-        <p:nvPicPr>
-          <p:cNvPr id="6" name="Picture 5">
-            <a:extLst>
-              <a:ext uri="{FF2B5EF4-FFF2-40B4-BE49-F238E27FC236}">
-                <a16:creationId xmlns:a16="http://schemas.microsoft.com/office/drawing/2014/main" id="{C9890B1E-C38B-84C9-E7AB-DCBD0E21C988}"/>
-              </a:ext>
-            </a:extLst>
-          </p:cNvPr>
-          <p:cNvPicPr>
-            <a:picLocks noChangeAspect="1"/>
-          </p:cNvPicPr>
-          <p:nvPr/>
-        </p:nvPicPr>
-        <p:blipFill>
-          <a:blip r:embed="rId2"/>
-          <a:stretch>
-            <a:fillRect/>
-          </a:stretch>
-        </p:blipFill>
-        <p:spPr>
-          <a:xfrm>
-            <a:off x="0" y="1934518"/>
-            <a:ext cx="12192000" cy="2988963"/>
-          </a:xfrm>
-          <a:prstGeom prst="rect">
-            <a:avLst/>
-          </a:prstGeom>
-        </p:spPr>
-      </p:pic>
-      <p:sp>
-        <p:nvSpPr>
-          <p:cNvPr id="2" name="Oval 1">
-            <a:extLst>
-              <a:ext uri="{FF2B5EF4-FFF2-40B4-BE49-F238E27FC236}">
-                <a16:creationId xmlns:a16="http://schemas.microsoft.com/office/drawing/2014/main" id="{0BE1A2BF-A4D6-C75A-06A2-2A97509E496F}"/>
-              </a:ext>
-            </a:extLst>
-          </p:cNvPr>
-          <p:cNvSpPr/>
-          <p:nvPr/>
-        </p:nvSpPr>
-        <p:spPr>
-          <a:xfrm>
-            <a:off x="-102636" y="2202023"/>
-            <a:ext cx="3480318" cy="2453951"/>
-          </a:xfrm>
-          <a:prstGeom prst="ellipse">
-            <a:avLst/>
-          </a:prstGeom>
-          <a:noFill/>
-          <a:ln w="57150">
-            <a:solidFill>
-              <a:srgbClr val="C00000"/>
-            </a:solidFill>
-          </a:ln>
-        </p:spPr>
-        <p:style>
-          <a:lnRef idx="1">
-            <a:schemeClr val="accent1"/>
-          </a:lnRef>
-          <a:fillRef idx="3">
-            <a:schemeClr val="accent1"/>
-          </a:fillRef>
-          <a:effectRef idx="2">
-            <a:schemeClr val="accent1"/>
-          </a:effectRef>
-          <a:fontRef idx="minor">
-            <a:schemeClr val="lt1"/>
-          </a:fontRef>
-        </p:style>
-        <p:txBody>
-          <a:bodyPr rtlCol="0" anchor="ctr"/>
-          <a:lstStyle/>
-          <a:p>
-            <a:pPr algn="ctr"/>
-            <a:endParaRPr lang="en-CA"/>
-          </a:p>
-        </p:txBody>
-      </p:sp>
-    </p:spTree>
-    <p:extLst>
-      <p:ext uri="{BB962C8B-B14F-4D97-AF65-F5344CB8AC3E}">
-        <p14:creationId xmlns:p14="http://schemas.microsoft.com/office/powerpoint/2010/main" val="646203763"/>
-      </p:ext>
-    </p:extLst>
-  </p:cSld>
-  <p:clrMapOvr>
-    <a:masterClrMapping/>
-  </p:clrMapOvr>
-</p:sld>
-</file>
-
-<file path=ppt/slides/slide4.xml><?xml version="1.0" encoding="utf-8"?>
-<p:sld xmlns:a="http://schemas.openxmlformats.org/drawingml/2006/main" xmlns:r="http://schemas.openxmlformats.org/officeDocument/2006/relationships" xmlns:p="http://schemas.openxmlformats.org/presentationml/2006/main">
-  <p:cSld>
-    <p:spTree>
-      <p:nvGrpSpPr>
-        <p:cNvPr id="1" name="">
-          <a:extLst>
-            <a:ext uri="{FF2B5EF4-FFF2-40B4-BE49-F238E27FC236}">
-              <a16:creationId xmlns:a16="http://schemas.microsoft.com/office/drawing/2014/main" id="{B620777D-FB6A-7CFC-DF66-B9B70C0CACEE}"/>
-            </a:ext>
-          </a:extLst>
-        </p:cNvPr>
-        <p:cNvGrpSpPr/>
-        <p:nvPr/>
-      </p:nvGrpSpPr>
-      <p:grpSpPr>
-        <a:xfrm>
-          <a:off x="0" y="0"/>
-          <a:ext cx="0" cy="0"/>
-          <a:chOff x="0" y="0"/>
-          <a:chExt cx="0" cy="0"/>
-        </a:xfrm>
-      </p:grpSpPr>
-      <p:sp>
-        <p:nvSpPr>
-          <p:cNvPr id="7" name="Title 1">
-            <a:extLst>
-              <a:ext uri="{FF2B5EF4-FFF2-40B4-BE49-F238E27FC236}">
-                <a16:creationId xmlns:a16="http://schemas.microsoft.com/office/drawing/2014/main" id="{AFFB3882-03AA-350A-6E95-6DC64F255977}"/>
-              </a:ext>
-            </a:extLst>
-          </p:cNvPr>
-          <p:cNvSpPr txBox="1">
-            <a:spLocks/>
-          </p:cNvSpPr>
-          <p:nvPr/>
-        </p:nvSpPr>
-        <p:spPr>
-          <a:xfrm>
-            <a:off x="553328" y="194856"/>
-            <a:ext cx="8229600" cy="917848"/>
-          </a:xfrm>
-          <a:prstGeom prst="rect">
-            <a:avLst/>
-          </a:prstGeom>
-        </p:spPr>
-        <p:txBody>
-          <a:bodyPr/>
-          <a:lstStyle>
-            <a:lvl1pPr marL="0" marR="0" indent="0" algn="l" defTabSz="457200" rtl="0" eaLnBrk="1" fontAlgn="auto" latinLnBrk="0" hangingPunct="1">
-              <a:lnSpc>
-                <a:spcPct val="100000"/>
-              </a:lnSpc>
-              <a:spcBef>
-                <a:spcPct val="0"/>
-              </a:spcBef>
-              <a:spcAft>
-                <a:spcPts val="0"/>
-              </a:spcAft>
-              <a:buClrTx/>
-              <a:buSzTx/>
-              <a:buFontTx/>
-              <a:buNone/>
-              <a:tabLst/>
-              <a:defRPr sz="4400" b="0" i="0" kern="1200">
-                <a:solidFill>
-                  <a:srgbClr val="FF6600"/>
-                </a:solidFill>
-                <a:latin typeface="Cambria"/>
-                <a:ea typeface="+mj-ea"/>
-                <a:cs typeface="Cambria"/>
-              </a:defRPr>
-            </a:lvl1pPr>
-          </a:lstStyle>
-          <a:p>
-            <a:pPr marL="0" marR="0" lvl="0" indent="0" algn="l" defTabSz="457200" rtl="0" eaLnBrk="1" fontAlgn="auto" latinLnBrk="0" hangingPunct="1">
-              <a:lnSpc>
-                <a:spcPct val="100000"/>
-              </a:lnSpc>
-              <a:spcBef>
-                <a:spcPct val="0"/>
-              </a:spcBef>
-              <a:spcAft>
-                <a:spcPts val="0"/>
-              </a:spcAft>
-              <a:buClrTx/>
-              <a:buSzTx/>
-              <a:buFontTx/>
-              <a:buNone/>
-              <a:tabLst/>
-              <a:defRPr/>
-            </a:pPr>
-            <a:r>
-              <a:rPr kumimoji="0" lang="en-CA" sz="3600" b="1" i="0" u="none" strike="noStrike" kern="1200" cap="none" spc="0" normalizeH="0" baseline="0" noProof="0" dirty="0">
-                <a:ln>
-                  <a:noFill/>
-                </a:ln>
-                <a:solidFill>
-                  <a:srgbClr val="F15A22"/>
-                </a:solidFill>
-                <a:effectLst/>
-                <a:uLnTx/>
-                <a:uFillTx/>
-                <a:latin typeface="Cambria" panose="02040503050406030204" pitchFamily="18" charset="0"/>
-                <a:ea typeface="Roboto Thin"/>
-              </a:rPr>
-              <a:t>Data Extraction from HAL</a:t>
-            </a:r>
-          </a:p>
-        </p:txBody>
-      </p:sp>
-      <p:pic>
-        <p:nvPicPr>
-          <p:cNvPr id="4" name="Picture 3">
-            <a:extLst>
-              <a:ext uri="{FF2B5EF4-FFF2-40B4-BE49-F238E27FC236}">
-                <a16:creationId xmlns:a16="http://schemas.microsoft.com/office/drawing/2014/main" id="{DDD74992-46F8-D416-639B-B82DF10C059D}"/>
-              </a:ext>
-            </a:extLst>
-          </p:cNvPr>
-          <p:cNvPicPr>
-            <a:picLocks noChangeAspect="1"/>
-          </p:cNvPicPr>
-          <p:nvPr/>
-        </p:nvPicPr>
-        <p:blipFill>
-          <a:blip r:embed="rId2"/>
-          <a:stretch>
-            <a:fillRect/>
-          </a:stretch>
-        </p:blipFill>
-        <p:spPr>
-          <a:xfrm>
-            <a:off x="2844798" y="1627157"/>
-            <a:ext cx="6690940" cy="4244708"/>
-          </a:xfrm>
-          <a:prstGeom prst="rect">
-            <a:avLst/>
-          </a:prstGeom>
-        </p:spPr>
-      </p:pic>
-    </p:spTree>
-    <p:extLst>
-      <p:ext uri="{BB962C8B-B14F-4D97-AF65-F5344CB8AC3E}">
-        <p14:creationId xmlns:p14="http://schemas.microsoft.com/office/powerpoint/2010/main" val="3062606115"/>
-      </p:ext>
-    </p:extLst>
-  </p:cSld>
-  <p:clrMapOvr>
-    <a:masterClrMapping/>
-  </p:clrMapOvr>
-</p:sld>
-</file>
-
-<file path=ppt/slides/slide5.xml><?xml version="1.0" encoding="utf-8"?>
-<p:sld xmlns:a="http://schemas.openxmlformats.org/drawingml/2006/main" xmlns:r="http://schemas.openxmlformats.org/officeDocument/2006/relationships" xmlns:p="http://schemas.openxmlformats.org/presentationml/2006/main">
-  <p:cSld>
-    <p:spTree>
-      <p:nvGrpSpPr>
-        <p:cNvPr id="1" name="">
-          <a:extLst>
-            <a:ext uri="{FF2B5EF4-FFF2-40B4-BE49-F238E27FC236}">
-              <a16:creationId xmlns:a16="http://schemas.microsoft.com/office/drawing/2014/main" id="{51158116-77B9-459B-7695-875D06CF87B2}"/>
-            </a:ext>
-          </a:extLst>
-        </p:cNvPr>
-        <p:cNvGrpSpPr/>
-        <p:nvPr/>
-      </p:nvGrpSpPr>
-      <p:grpSpPr>
-        <a:xfrm>
-          <a:off x="0" y="0"/>
-          <a:ext cx="0" cy="0"/>
-          <a:chOff x="0" y="0"/>
-          <a:chExt cx="0" cy="0"/>
-        </a:xfrm>
-      </p:grpSpPr>
-      <p:sp>
-        <p:nvSpPr>
-          <p:cNvPr id="7" name="Title 1">
-            <a:extLst>
-              <a:ext uri="{FF2B5EF4-FFF2-40B4-BE49-F238E27FC236}">
-                <a16:creationId xmlns:a16="http://schemas.microsoft.com/office/drawing/2014/main" id="{2EDD4809-9BBB-B3BC-CB32-754075135343}"/>
-              </a:ext>
-            </a:extLst>
-          </p:cNvPr>
-          <p:cNvSpPr txBox="1">
-            <a:spLocks/>
-          </p:cNvSpPr>
-          <p:nvPr/>
-        </p:nvSpPr>
-        <p:spPr>
-          <a:xfrm>
-            <a:off x="553328" y="194856"/>
-            <a:ext cx="8229600" cy="917848"/>
-          </a:xfrm>
-          <a:prstGeom prst="rect">
-            <a:avLst/>
-          </a:prstGeom>
-        </p:spPr>
-        <p:txBody>
-          <a:bodyPr/>
-          <a:lstStyle>
-            <a:lvl1pPr marL="0" marR="0" indent="0" algn="l" defTabSz="457200" rtl="0" eaLnBrk="1" fontAlgn="auto" latinLnBrk="0" hangingPunct="1">
-              <a:lnSpc>
-                <a:spcPct val="100000"/>
-              </a:lnSpc>
-              <a:spcBef>
-                <a:spcPct val="0"/>
-              </a:spcBef>
-              <a:spcAft>
-                <a:spcPts val="0"/>
-              </a:spcAft>
-              <a:buClrTx/>
-              <a:buSzTx/>
-              <a:buFontTx/>
-              <a:buNone/>
-              <a:tabLst/>
-              <a:defRPr sz="4400" b="0" i="0" kern="1200">
-                <a:solidFill>
-                  <a:srgbClr val="FF6600"/>
-                </a:solidFill>
-                <a:latin typeface="Cambria"/>
-                <a:ea typeface="+mj-ea"/>
-                <a:cs typeface="Cambria"/>
-              </a:defRPr>
-            </a:lvl1pPr>
-          </a:lstStyle>
-          <a:p>
-            <a:pPr marL="0" marR="0" lvl="0" indent="0" algn="l" defTabSz="457200" rtl="0" eaLnBrk="1" fontAlgn="auto" latinLnBrk="0" hangingPunct="1">
-              <a:lnSpc>
-                <a:spcPct val="100000"/>
-              </a:lnSpc>
-              <a:spcBef>
-                <a:spcPct val="0"/>
-              </a:spcBef>
-              <a:spcAft>
-                <a:spcPts val="0"/>
-              </a:spcAft>
-              <a:buClrTx/>
-              <a:buSzTx/>
-              <a:buFontTx/>
-              <a:buNone/>
-              <a:tabLst/>
-              <a:defRPr/>
-            </a:pPr>
-            <a:r>
-              <a:rPr kumimoji="0" lang="en-CA" sz="3600" b="1" i="0" u="none" strike="noStrike" kern="1200" cap="none" spc="0" normalizeH="0" baseline="0" noProof="0" dirty="0">
-                <a:ln>
-                  <a:noFill/>
-                </a:ln>
-                <a:solidFill>
-                  <a:srgbClr val="F15A22"/>
-                </a:solidFill>
-                <a:effectLst/>
-                <a:uLnTx/>
-                <a:uFillTx/>
-                <a:latin typeface="Cambria" panose="02040503050406030204" pitchFamily="18" charset="0"/>
-                <a:ea typeface="Roboto Thin"/>
-              </a:rPr>
-              <a:t>End-to-End Data Integration and Semantic Mapping Architecture</a:t>
-            </a:r>
-          </a:p>
-        </p:txBody>
-      </p:sp>
-      <p:pic>
-        <p:nvPicPr>
-          <p:cNvPr id="6" name="Picture 5">
-            <a:extLst>
-              <a:ext uri="{FF2B5EF4-FFF2-40B4-BE49-F238E27FC236}">
-                <a16:creationId xmlns:a16="http://schemas.microsoft.com/office/drawing/2014/main" id="{8789CC15-65C2-8211-1C6D-5BFBCFF0FD86}"/>
-              </a:ext>
-            </a:extLst>
-          </p:cNvPr>
-          <p:cNvPicPr>
-            <a:picLocks noChangeAspect="1"/>
-          </p:cNvPicPr>
-          <p:nvPr/>
-        </p:nvPicPr>
-        <p:blipFill>
-          <a:blip r:embed="rId2"/>
-          <a:stretch>
-            <a:fillRect/>
-          </a:stretch>
-        </p:blipFill>
-        <p:spPr>
-          <a:xfrm>
-            <a:off x="0" y="1934518"/>
-            <a:ext cx="12192000" cy="2988963"/>
-          </a:xfrm>
-          <a:prstGeom prst="rect">
-            <a:avLst/>
-          </a:prstGeom>
-        </p:spPr>
-      </p:pic>
-      <p:sp>
-        <p:nvSpPr>
-          <p:cNvPr id="2" name="Oval 1">
-            <a:extLst>
-              <a:ext uri="{FF2B5EF4-FFF2-40B4-BE49-F238E27FC236}">
-                <a16:creationId xmlns:a16="http://schemas.microsoft.com/office/drawing/2014/main" id="{AABF7843-5582-FE69-2DFE-65AC27C24741}"/>
-              </a:ext>
-            </a:extLst>
-          </p:cNvPr>
-          <p:cNvSpPr/>
-          <p:nvPr/>
-        </p:nvSpPr>
-        <p:spPr>
-          <a:xfrm>
-            <a:off x="2734831" y="1934519"/>
-            <a:ext cx="5956681" cy="3221076"/>
-          </a:xfrm>
-          <a:prstGeom prst="ellipse">
-            <a:avLst/>
-          </a:prstGeom>
-          <a:noFill/>
-          <a:ln w="57150">
-            <a:solidFill>
-              <a:srgbClr val="C00000"/>
-            </a:solidFill>
-          </a:ln>
-        </p:spPr>
-        <p:style>
-          <a:lnRef idx="1">
-            <a:schemeClr val="accent1"/>
-          </a:lnRef>
-          <a:fillRef idx="3">
-            <a:schemeClr val="accent1"/>
-          </a:fillRef>
-          <a:effectRef idx="2">
-            <a:schemeClr val="accent1"/>
-          </a:effectRef>
-          <a:fontRef idx="minor">
-            <a:schemeClr val="lt1"/>
-          </a:fontRef>
-        </p:style>
-        <p:txBody>
-          <a:bodyPr rtlCol="0" anchor="ctr"/>
-          <a:lstStyle/>
-          <a:p>
-            <a:pPr algn="ctr"/>
-            <a:endParaRPr lang="en-CA"/>
-          </a:p>
-        </p:txBody>
-      </p:sp>
-    </p:spTree>
-    <p:extLst>
-      <p:ext uri="{BB962C8B-B14F-4D97-AF65-F5344CB8AC3E}">
-        <p14:creationId xmlns:p14="http://schemas.microsoft.com/office/powerpoint/2010/main" val="2368715760"/>
-      </p:ext>
-    </p:extLst>
-  </p:cSld>
-  <p:clrMapOvr>
-    <a:masterClrMapping/>
-  </p:clrMapOvr>
-</p:sld>
-</file>
-
-<file path=ppt/slides/slide6.xml><?xml version="1.0" encoding="utf-8"?>
-<p:sld xmlns:a="http://schemas.openxmlformats.org/drawingml/2006/main" xmlns:r="http://schemas.openxmlformats.org/officeDocument/2006/relationships" xmlns:p="http://schemas.openxmlformats.org/presentationml/2006/main">
-  <p:cSld>
-    <p:spTree>
-      <p:nvGrpSpPr>
-        <p:cNvPr id="1" name="">
-          <a:extLst>
-            <a:ext uri="{FF2B5EF4-FFF2-40B4-BE49-F238E27FC236}">
-              <a16:creationId xmlns:a16="http://schemas.microsoft.com/office/drawing/2014/main" id="{9150B242-A7D8-E5B4-0730-FBD69D96003F}"/>
-            </a:ext>
-          </a:extLst>
-        </p:cNvPr>
-        <p:cNvGrpSpPr/>
-        <p:nvPr/>
-      </p:nvGrpSpPr>
-      <p:grpSpPr>
-        <a:xfrm>
-          <a:off x="0" y="0"/>
-          <a:ext cx="0" cy="0"/>
-          <a:chOff x="0" y="0"/>
-          <a:chExt cx="0" cy="0"/>
-        </a:xfrm>
-      </p:grpSpPr>
-      <p:sp>
-        <p:nvSpPr>
-          <p:cNvPr id="7" name="Title 1">
-            <a:extLst>
-              <a:ext uri="{FF2B5EF4-FFF2-40B4-BE49-F238E27FC236}">
-                <a16:creationId xmlns:a16="http://schemas.microsoft.com/office/drawing/2014/main" id="{A01767C5-D459-629A-F54F-0A0A39C9FA49}"/>
-              </a:ext>
-            </a:extLst>
-          </p:cNvPr>
-          <p:cNvSpPr txBox="1">
-            <a:spLocks/>
-          </p:cNvSpPr>
-          <p:nvPr/>
-        </p:nvSpPr>
-        <p:spPr>
-          <a:xfrm>
-            <a:off x="553328" y="194856"/>
-            <a:ext cx="8229600" cy="917848"/>
-          </a:xfrm>
-          <a:prstGeom prst="rect">
-            <a:avLst/>
-          </a:prstGeom>
-        </p:spPr>
-        <p:txBody>
-          <a:bodyPr/>
-          <a:lstStyle>
-            <a:lvl1pPr marL="0" marR="0" indent="0" algn="l" defTabSz="457200" rtl="0" eaLnBrk="1" fontAlgn="auto" latinLnBrk="0" hangingPunct="1">
-              <a:lnSpc>
-                <a:spcPct val="100000"/>
-              </a:lnSpc>
-              <a:spcBef>
-                <a:spcPct val="0"/>
-              </a:spcBef>
-              <a:spcAft>
-                <a:spcPts val="0"/>
-              </a:spcAft>
-              <a:buClrTx/>
-              <a:buSzTx/>
-              <a:buFontTx/>
-              <a:buNone/>
-              <a:tabLst/>
-              <a:defRPr sz="4400" b="0" i="0" kern="1200">
-                <a:solidFill>
-                  <a:srgbClr val="FF6600"/>
-                </a:solidFill>
-                <a:latin typeface="Cambria"/>
-                <a:ea typeface="+mj-ea"/>
-                <a:cs typeface="Cambria"/>
-              </a:defRPr>
-            </a:lvl1pPr>
-          </a:lstStyle>
-          <a:p>
-            <a:pPr marL="0" marR="0" lvl="0" indent="0" algn="l" defTabSz="457200" rtl="0" eaLnBrk="1" fontAlgn="auto" latinLnBrk="0" hangingPunct="1">
-              <a:lnSpc>
-                <a:spcPct val="100000"/>
-              </a:lnSpc>
-              <a:spcBef>
-                <a:spcPct val="0"/>
-              </a:spcBef>
-              <a:spcAft>
-                <a:spcPts val="0"/>
-              </a:spcAft>
-              <a:buClrTx/>
-              <a:buSzTx/>
-              <a:buFontTx/>
-              <a:buNone/>
-              <a:tabLst/>
-              <a:defRPr/>
-            </a:pPr>
-            <a:r>
-              <a:rPr kumimoji="0" lang="en-CA" sz="3600" b="1" i="0" u="none" strike="noStrike" kern="1200" cap="none" spc="0" normalizeH="0" baseline="0" noProof="0" dirty="0" err="1">
-                <a:ln>
-                  <a:noFill/>
-                </a:ln>
-                <a:solidFill>
-                  <a:srgbClr val="F15A22"/>
-                </a:solidFill>
-                <a:effectLst/>
-                <a:uLnTx/>
-                <a:uFillTx/>
-                <a:latin typeface="Cambria" panose="02040503050406030204" pitchFamily="18" charset="0"/>
-                <a:ea typeface="Roboto Thin"/>
-              </a:rPr>
-              <a:t>Wikidata</a:t>
-            </a:r>
-            <a:endParaRPr kumimoji="0" lang="en-CA" sz="3600" b="1" i="0" u="none" strike="noStrike" kern="1200" cap="none" spc="0" normalizeH="0" baseline="0" noProof="0" dirty="0">
-              <a:ln>
-                <a:noFill/>
-              </a:ln>
-              <a:solidFill>
-                <a:srgbClr val="F15A22"/>
-              </a:solidFill>
-              <a:effectLst/>
-              <a:uLnTx/>
-              <a:uFillTx/>
-              <a:latin typeface="Cambria" panose="02040503050406030204" pitchFamily="18" charset="0"/>
-              <a:ea typeface="Roboto Thin"/>
-            </a:endParaRPr>
-          </a:p>
-        </p:txBody>
-      </p:sp>
-      <p:pic>
-        <p:nvPicPr>
-          <p:cNvPr id="3" name="Picture 2">
-            <a:extLst>
-              <a:ext uri="{FF2B5EF4-FFF2-40B4-BE49-F238E27FC236}">
-                <a16:creationId xmlns:a16="http://schemas.microsoft.com/office/drawing/2014/main" id="{69D7FE4B-97EB-1887-626F-BA263FD4E703}"/>
-              </a:ext>
-            </a:extLst>
-          </p:cNvPr>
-          <p:cNvPicPr>
-            <a:picLocks noChangeAspect="1"/>
-          </p:cNvPicPr>
-          <p:nvPr/>
-        </p:nvPicPr>
-        <p:blipFill>
-          <a:blip r:embed="rId2"/>
-          <a:stretch>
-            <a:fillRect/>
-          </a:stretch>
-        </p:blipFill>
-        <p:spPr>
-          <a:xfrm>
-            <a:off x="0" y="1088899"/>
-            <a:ext cx="12192000" cy="4680202"/>
-          </a:xfrm>
-          <a:prstGeom prst="rect">
-            <a:avLst/>
-          </a:prstGeom>
-        </p:spPr>
-      </p:pic>
-    </p:spTree>
-    <p:extLst>
-      <p:ext uri="{BB962C8B-B14F-4D97-AF65-F5344CB8AC3E}">
-        <p14:creationId xmlns:p14="http://schemas.microsoft.com/office/powerpoint/2010/main" val="1509784447"/>
-      </p:ext>
-    </p:extLst>
-  </p:cSld>
-  <p:clrMapOvr>
-    <a:masterClrMapping/>
-  </p:clrMapOvr>
-</p:sld>
-</file>
-
-<file path=ppt/slides/slide7.xml><?xml version="1.0" encoding="utf-8"?>
-<p:sld xmlns:a="http://schemas.openxmlformats.org/drawingml/2006/main" xmlns:r="http://schemas.openxmlformats.org/officeDocument/2006/relationships" xmlns:p="http://schemas.openxmlformats.org/presentationml/2006/main">
-  <p:cSld>
-    <p:spTree>
-      <p:nvGrpSpPr>
-        <p:cNvPr id="1" name="">
-          <a:extLst>
-            <a:ext uri="{FF2B5EF4-FFF2-40B4-BE49-F238E27FC236}">
-              <a16:creationId xmlns:a16="http://schemas.microsoft.com/office/drawing/2014/main" id="{1EE6EDA5-03DC-536A-3BA9-3AAF4C6F6D3D}"/>
-            </a:ext>
-          </a:extLst>
-        </p:cNvPr>
-        <p:cNvGrpSpPr/>
-        <p:nvPr/>
-      </p:nvGrpSpPr>
-      <p:grpSpPr>
-        <a:xfrm>
-          <a:off x="0" y="0"/>
-          <a:ext cx="0" cy="0"/>
-          <a:chOff x="0" y="0"/>
-          <a:chExt cx="0" cy="0"/>
-        </a:xfrm>
-      </p:grpSpPr>
-      <p:sp>
-        <p:nvSpPr>
-          <p:cNvPr id="7" name="Title 1">
-            <a:extLst>
-              <a:ext uri="{FF2B5EF4-FFF2-40B4-BE49-F238E27FC236}">
-                <a16:creationId xmlns:a16="http://schemas.microsoft.com/office/drawing/2014/main" id="{1FFE6C1B-85DA-DFFE-7530-F001FAF9719B}"/>
-              </a:ext>
-            </a:extLst>
-          </p:cNvPr>
-          <p:cNvSpPr txBox="1">
-            <a:spLocks/>
-          </p:cNvSpPr>
-          <p:nvPr/>
-        </p:nvSpPr>
-        <p:spPr>
-          <a:xfrm>
-            <a:off x="675247" y="255816"/>
-            <a:ext cx="8229600" cy="917848"/>
-          </a:xfrm>
-          <a:prstGeom prst="rect">
-            <a:avLst/>
-          </a:prstGeom>
-        </p:spPr>
-        <p:txBody>
-          <a:bodyPr/>
-          <a:lstStyle>
-            <a:lvl1pPr marL="0" marR="0" indent="0" algn="l" defTabSz="457200" rtl="0" eaLnBrk="1" fontAlgn="auto" latinLnBrk="0" hangingPunct="1">
-              <a:lnSpc>
-                <a:spcPct val="100000"/>
-              </a:lnSpc>
-              <a:spcBef>
-                <a:spcPct val="0"/>
-              </a:spcBef>
-              <a:spcAft>
-                <a:spcPts val="0"/>
-              </a:spcAft>
-              <a:buClrTx/>
-              <a:buSzTx/>
-              <a:buFontTx/>
-              <a:buNone/>
-              <a:tabLst/>
-              <a:defRPr sz="4400" b="0" i="0" kern="1200">
-                <a:solidFill>
-                  <a:srgbClr val="FF6600"/>
-                </a:solidFill>
-                <a:latin typeface="Cambria"/>
-                <a:ea typeface="+mj-ea"/>
-                <a:cs typeface="Cambria"/>
-              </a:defRPr>
-            </a:lvl1pPr>
-          </a:lstStyle>
-          <a:p>
-            <a:pPr marL="0" marR="0" lvl="0" indent="0" algn="l" defTabSz="457200" rtl="0" eaLnBrk="1" fontAlgn="auto" latinLnBrk="0" hangingPunct="1">
-              <a:lnSpc>
-                <a:spcPct val="100000"/>
-              </a:lnSpc>
-              <a:spcBef>
-                <a:spcPct val="0"/>
-              </a:spcBef>
-              <a:spcAft>
-                <a:spcPts val="0"/>
-              </a:spcAft>
-              <a:buClrTx/>
-              <a:buSzTx/>
-              <a:buFontTx/>
-              <a:buNone/>
-              <a:tabLst/>
-              <a:defRPr/>
-            </a:pPr>
-            <a:r>
-              <a:rPr kumimoji="0" lang="en-CA" sz="3600" b="1" i="0" u="none" strike="noStrike" kern="1200" cap="none" spc="0" normalizeH="0" baseline="0" noProof="0">
-                <a:ln>
-                  <a:noFill/>
-                </a:ln>
-                <a:solidFill>
-                  <a:srgbClr val="F15A22"/>
-                </a:solidFill>
-                <a:effectLst/>
-                <a:uLnTx/>
-                <a:uFillTx/>
-                <a:latin typeface="Cambria" panose="02040503050406030204" pitchFamily="18" charset="0"/>
-                <a:ea typeface="Roboto Thin"/>
-              </a:rPr>
-              <a:t>Final documentation</a:t>
-            </a:r>
-          </a:p>
-        </p:txBody>
-      </p:sp>
-      <p:pic>
-        <p:nvPicPr>
-          <p:cNvPr id="4" name="Picture 3">
-            <a:extLst>
-              <a:ext uri="{FF2B5EF4-FFF2-40B4-BE49-F238E27FC236}">
-                <a16:creationId xmlns:a16="http://schemas.microsoft.com/office/drawing/2014/main" id="{D4FE7128-2CEC-9E75-F6AE-EE03FE6BA782}"/>
-              </a:ext>
-            </a:extLst>
-          </p:cNvPr>
-          <p:cNvPicPr>
-            <a:picLocks noChangeAspect="1"/>
-          </p:cNvPicPr>
-          <p:nvPr/>
-        </p:nvPicPr>
-        <p:blipFill>
-          <a:blip r:embed="rId2"/>
-          <a:stretch>
-            <a:fillRect/>
-          </a:stretch>
-        </p:blipFill>
-        <p:spPr>
-          <a:xfrm>
-            <a:off x="1314333" y="1113781"/>
-            <a:ext cx="10202420" cy="5744219"/>
-          </a:xfrm>
-          <a:prstGeom prst="rect">
-            <a:avLst/>
-          </a:prstGeom>
-        </p:spPr>
-      </p:pic>
-    </p:spTree>
-    <p:extLst>
-      <p:ext uri="{BB962C8B-B14F-4D97-AF65-F5344CB8AC3E}">
-        <p14:creationId xmlns:p14="http://schemas.microsoft.com/office/powerpoint/2010/main" val="222221960"/>
-      </p:ext>
-    </p:extLst>
-  </p:cSld>
-  <p:clrMapOvr>
-    <a:masterClrMapping/>
-  </p:clrMapOvr>
-</p:sld>
-</file>
-
-<file path=ppt/slides/slide8.xml><?xml version="1.0" encoding="utf-8"?>
-<p:sld xmlns:a="http://schemas.openxmlformats.org/drawingml/2006/main" xmlns:r="http://schemas.openxmlformats.org/officeDocument/2006/relationships" xmlns:p="http://schemas.openxmlformats.org/presentationml/2006/main">
-  <p:cSld>
-    <p:spTree>
-      <p:nvGrpSpPr>
-        <p:cNvPr id="1" name="">
-          <a:extLst>
-            <a:ext uri="{FF2B5EF4-FFF2-40B4-BE49-F238E27FC236}">
-              <a16:creationId xmlns:a16="http://schemas.microsoft.com/office/drawing/2014/main" id="{20D533B5-B813-1FBF-07D3-25E4A2AD6C6C}"/>
-            </a:ext>
-          </a:extLst>
-        </p:cNvPr>
-        <p:cNvGrpSpPr/>
-        <p:nvPr/>
-      </p:nvGrpSpPr>
-      <p:grpSpPr>
-        <a:xfrm>
-          <a:off x="0" y="0"/>
-          <a:ext cx="0" cy="0"/>
-          <a:chOff x="0" y="0"/>
-          <a:chExt cx="0" cy="0"/>
-        </a:xfrm>
-      </p:grpSpPr>
-      <p:sp>
-        <p:nvSpPr>
-          <p:cNvPr id="7" name="Title 1">
-            <a:extLst>
-              <a:ext uri="{FF2B5EF4-FFF2-40B4-BE49-F238E27FC236}">
-                <a16:creationId xmlns:a16="http://schemas.microsoft.com/office/drawing/2014/main" id="{62EAC0C7-4D2F-A1BA-B54B-DC060B95BB98}"/>
-              </a:ext>
-            </a:extLst>
-          </p:cNvPr>
-          <p:cNvSpPr txBox="1">
-            <a:spLocks/>
-          </p:cNvSpPr>
-          <p:nvPr/>
-        </p:nvSpPr>
-        <p:spPr>
-          <a:xfrm>
-            <a:off x="553328" y="194856"/>
-            <a:ext cx="8229600" cy="917848"/>
-          </a:xfrm>
-          <a:prstGeom prst="rect">
-            <a:avLst/>
-          </a:prstGeom>
-        </p:spPr>
-        <p:txBody>
-          <a:bodyPr/>
-          <a:lstStyle>
-            <a:lvl1pPr marL="0" marR="0" indent="0" algn="l" defTabSz="457200" rtl="0" eaLnBrk="1" fontAlgn="auto" latinLnBrk="0" hangingPunct="1">
-              <a:lnSpc>
-                <a:spcPct val="100000"/>
-              </a:lnSpc>
-              <a:spcBef>
-                <a:spcPct val="0"/>
-              </a:spcBef>
-              <a:spcAft>
-                <a:spcPts val="0"/>
-              </a:spcAft>
-              <a:buClrTx/>
-              <a:buSzTx/>
-              <a:buFontTx/>
-              <a:buNone/>
-              <a:tabLst/>
-              <a:defRPr sz="4400" b="0" i="0" kern="1200">
-                <a:solidFill>
-                  <a:srgbClr val="FF6600"/>
-                </a:solidFill>
-                <a:latin typeface="Cambria"/>
-                <a:ea typeface="+mj-ea"/>
-                <a:cs typeface="Cambria"/>
-              </a:defRPr>
-            </a:lvl1pPr>
-          </a:lstStyle>
-          <a:p>
-            <a:pPr marL="0" marR="0" lvl="0" indent="0" algn="l" defTabSz="457200" rtl="0" eaLnBrk="1" fontAlgn="auto" latinLnBrk="0" hangingPunct="1">
-              <a:lnSpc>
-                <a:spcPct val="100000"/>
-              </a:lnSpc>
-              <a:spcBef>
-                <a:spcPct val="0"/>
-              </a:spcBef>
-              <a:spcAft>
-                <a:spcPts val="0"/>
-              </a:spcAft>
-              <a:buClrTx/>
-              <a:buSzTx/>
-              <a:buFontTx/>
-              <a:buNone/>
-              <a:tabLst/>
-              <a:defRPr/>
-            </a:pPr>
-            <a:r>
-              <a:rPr kumimoji="0" lang="en-CA" sz="3600" b="1" i="0" u="none" strike="noStrike" kern="1200" cap="none" spc="0" normalizeH="0" baseline="0" noProof="0" dirty="0">
-                <a:ln>
-                  <a:noFill/>
-                </a:ln>
-                <a:solidFill>
-                  <a:srgbClr val="F15A22"/>
-                </a:solidFill>
-                <a:effectLst/>
-                <a:uLnTx/>
-                <a:uFillTx/>
-                <a:latin typeface="Cambria" panose="02040503050406030204" pitchFamily="18" charset="0"/>
-                <a:ea typeface="Roboto Thin"/>
-              </a:rPr>
-              <a:t>End-to-End Data Integration and Semantic Mapping Architecture</a:t>
-            </a:r>
-          </a:p>
-        </p:txBody>
-      </p:sp>
-      <p:pic>
-        <p:nvPicPr>
-          <p:cNvPr id="6" name="Picture 5">
-            <a:extLst>
-              <a:ext uri="{FF2B5EF4-FFF2-40B4-BE49-F238E27FC236}">
-                <a16:creationId xmlns:a16="http://schemas.microsoft.com/office/drawing/2014/main" id="{12E34420-C5B4-5505-B94A-E2ECFF1B5651}"/>
-              </a:ext>
-            </a:extLst>
-          </p:cNvPr>
-          <p:cNvPicPr>
-            <a:picLocks noChangeAspect="1"/>
-          </p:cNvPicPr>
-          <p:nvPr/>
-        </p:nvPicPr>
-        <p:blipFill>
-          <a:blip r:embed="rId2"/>
-          <a:stretch>
-            <a:fillRect/>
-          </a:stretch>
-        </p:blipFill>
-        <p:spPr>
-          <a:xfrm>
-            <a:off x="0" y="1934518"/>
-            <a:ext cx="12192000" cy="2988963"/>
-          </a:xfrm>
-          <a:prstGeom prst="rect">
-            <a:avLst/>
-          </a:prstGeom>
-        </p:spPr>
-      </p:pic>
-      <p:sp>
-        <p:nvSpPr>
-          <p:cNvPr id="2" name="Oval 1">
-            <a:extLst>
-              <a:ext uri="{FF2B5EF4-FFF2-40B4-BE49-F238E27FC236}">
-                <a16:creationId xmlns:a16="http://schemas.microsoft.com/office/drawing/2014/main" id="{4977540F-BA93-4618-7270-58A108C46F5E}"/>
-              </a:ext>
-            </a:extLst>
-          </p:cNvPr>
-          <p:cNvSpPr/>
-          <p:nvPr/>
-        </p:nvSpPr>
-        <p:spPr>
-          <a:xfrm>
-            <a:off x="6645897" y="1934519"/>
-            <a:ext cx="3299381" cy="3221076"/>
-          </a:xfrm>
-          <a:prstGeom prst="ellipse">
-            <a:avLst/>
-          </a:prstGeom>
-          <a:noFill/>
-          <a:ln w="57150">
-            <a:solidFill>
-              <a:srgbClr val="C00000"/>
-            </a:solidFill>
-          </a:ln>
-        </p:spPr>
-        <p:style>
-          <a:lnRef idx="1">
-            <a:schemeClr val="accent1"/>
-          </a:lnRef>
-          <a:fillRef idx="3">
-            <a:schemeClr val="accent1"/>
-          </a:fillRef>
-          <a:effectRef idx="2">
-            <a:schemeClr val="accent1"/>
-          </a:effectRef>
-          <a:fontRef idx="minor">
-            <a:schemeClr val="lt1"/>
-          </a:fontRef>
-        </p:style>
-        <p:txBody>
-          <a:bodyPr rtlCol="0" anchor="ctr"/>
-          <a:lstStyle/>
-          <a:p>
-            <a:pPr algn="ctr"/>
-            <a:endParaRPr lang="en-CA"/>
-          </a:p>
-        </p:txBody>
-      </p:sp>
-    </p:spTree>
-    <p:extLst>
-      <p:ext uri="{BB962C8B-B14F-4D97-AF65-F5344CB8AC3E}">
-        <p14:creationId xmlns:p14="http://schemas.microsoft.com/office/powerpoint/2010/main" val="2079002071"/>
-      </p:ext>
-    </p:extLst>
-  </p:cSld>
-  <p:clrMapOvr>
-    <a:masterClrMapping/>
-  </p:clrMapOvr>
-</p:sld>
-</file>
-
-<file path=ppt/slides/slide9.xml><?xml version="1.0" encoding="utf-8"?>
-<p:sld xmlns:a="http://schemas.openxmlformats.org/drawingml/2006/main" xmlns:r="http://schemas.openxmlformats.org/officeDocument/2006/relationships" xmlns:p="http://schemas.openxmlformats.org/presentationml/2006/main">
-  <p:cSld>
-    <p:spTree>
-      <p:nvGrpSpPr>
-        <p:cNvPr id="1" name="">
-          <a:extLst>
-            <a:ext uri="{FF2B5EF4-FFF2-40B4-BE49-F238E27FC236}">
-              <a16:creationId xmlns:a16="http://schemas.microsoft.com/office/drawing/2014/main" id="{97202C27-329C-AD3C-6EBC-BA0F9F73F9FD}"/>
-            </a:ext>
-          </a:extLst>
-        </p:cNvPr>
-        <p:cNvGrpSpPr/>
-        <p:nvPr/>
-      </p:nvGrpSpPr>
-      <p:grpSpPr>
-        <a:xfrm>
-          <a:off x="0" y="0"/>
-          <a:ext cx="0" cy="0"/>
-          <a:chOff x="0" y="0"/>
-          <a:chExt cx="0" cy="0"/>
-        </a:xfrm>
-      </p:grpSpPr>
-      <p:sp>
-        <p:nvSpPr>
-          <p:cNvPr id="7" name="Title 1">
-            <a:extLst>
-              <a:ext uri="{FF2B5EF4-FFF2-40B4-BE49-F238E27FC236}">
-                <a16:creationId xmlns:a16="http://schemas.microsoft.com/office/drawing/2014/main" id="{9177F078-5529-5BD2-4A7F-13306B874417}"/>
-              </a:ext>
-            </a:extLst>
-          </p:cNvPr>
-          <p:cNvSpPr txBox="1">
-            <a:spLocks/>
-          </p:cNvSpPr>
-          <p:nvPr/>
-        </p:nvSpPr>
-        <p:spPr>
-          <a:xfrm>
-            <a:off x="553328" y="194856"/>
-            <a:ext cx="8229600" cy="917848"/>
-          </a:xfrm>
-          <a:prstGeom prst="rect">
-            <a:avLst/>
-          </a:prstGeom>
-        </p:spPr>
-        <p:txBody>
-          <a:bodyPr/>
-          <a:lstStyle>
-            <a:lvl1pPr marL="0" marR="0" indent="0" algn="l" defTabSz="457200" rtl="0" eaLnBrk="1" fontAlgn="auto" latinLnBrk="0" hangingPunct="1">
-              <a:lnSpc>
-                <a:spcPct val="100000"/>
-              </a:lnSpc>
-              <a:spcBef>
-                <a:spcPct val="0"/>
-              </a:spcBef>
-              <a:spcAft>
-                <a:spcPts val="0"/>
-              </a:spcAft>
-              <a:buClrTx/>
-              <a:buSzTx/>
-              <a:buFontTx/>
-              <a:buNone/>
-              <a:tabLst/>
-              <a:defRPr sz="4400" b="0" i="0" kern="1200">
-                <a:solidFill>
-                  <a:srgbClr val="FF6600"/>
-                </a:solidFill>
-                <a:latin typeface="Cambria"/>
-                <a:ea typeface="+mj-ea"/>
-                <a:cs typeface="Cambria"/>
-              </a:defRPr>
-            </a:lvl1pPr>
-          </a:lstStyle>
-          <a:p>
-            <a:pPr marL="0" marR="0" lvl="0" indent="0" algn="l" defTabSz="457200" rtl="0" eaLnBrk="1" fontAlgn="auto" latinLnBrk="0" hangingPunct="1">
-              <a:lnSpc>
-                <a:spcPct val="100000"/>
-              </a:lnSpc>
-              <a:spcBef>
-                <a:spcPct val="0"/>
-              </a:spcBef>
-              <a:spcAft>
-                <a:spcPts val="0"/>
-              </a:spcAft>
-              <a:buClrTx/>
-              <a:buSzTx/>
-              <a:buFontTx/>
-              <a:buNone/>
-              <a:tabLst/>
-              <a:defRPr/>
-            </a:pPr>
-            <a:r>
-              <a:rPr kumimoji="0" lang="en-CA" sz="3600" b="1" i="0" u="none" strike="noStrike" kern="1200" cap="none" spc="0" normalizeH="0" baseline="0" noProof="0" dirty="0">
-                <a:ln>
-                  <a:noFill/>
-                </a:ln>
-                <a:solidFill>
-                  <a:srgbClr val="F15A22"/>
-                </a:solidFill>
-                <a:effectLst/>
-                <a:uLnTx/>
-                <a:uFillTx/>
-                <a:latin typeface="Cambria" panose="02040503050406030204" pitchFamily="18" charset="0"/>
-                <a:ea typeface="Roboto Thin"/>
-              </a:rPr>
-              <a:t>Human Validation and </a:t>
-            </a:r>
-            <a:r>
-              <a:rPr kumimoji="0" lang="en-CA" sz="3600" b="1" i="0" u="none" strike="noStrike" kern="1200" cap="none" spc="0" normalizeH="0" baseline="0" noProof="0" dirty="0" err="1">
-                <a:ln>
-                  <a:noFill/>
-                </a:ln>
-                <a:solidFill>
-                  <a:srgbClr val="F15A22"/>
-                </a:solidFill>
-                <a:effectLst/>
-                <a:uLnTx/>
-                <a:uFillTx/>
-                <a:latin typeface="Cambria" panose="02040503050406030204" pitchFamily="18" charset="0"/>
-                <a:ea typeface="Roboto Thin"/>
-              </a:rPr>
-              <a:t>Neo4j</a:t>
-            </a:r>
-            <a:r>
-              <a:rPr kumimoji="0" lang="en-CA" sz="3600" b="1" i="0" u="none" strike="noStrike" kern="1200" cap="none" spc="0" normalizeH="0" baseline="0" noProof="0" dirty="0">
-                <a:ln>
-                  <a:noFill/>
-                </a:ln>
-                <a:solidFill>
-                  <a:srgbClr val="F15A22"/>
-                </a:solidFill>
-                <a:effectLst/>
-                <a:uLnTx/>
-                <a:uFillTx/>
-                <a:latin typeface="Cambria" panose="02040503050406030204" pitchFamily="18" charset="0"/>
-                <a:ea typeface="Roboto Thin"/>
-              </a:rPr>
-              <a:t> + MySQL</a:t>
-            </a:r>
-          </a:p>
-        </p:txBody>
-      </p:sp>
-      <p:pic>
-        <p:nvPicPr>
-          <p:cNvPr id="4" name="Picture 3">
-            <a:extLst>
-              <a:ext uri="{FF2B5EF4-FFF2-40B4-BE49-F238E27FC236}">
-                <a16:creationId xmlns:a16="http://schemas.microsoft.com/office/drawing/2014/main" id="{EA3C751E-55CA-5731-D801-EBF638A31434}"/>
-              </a:ext>
-            </a:extLst>
-          </p:cNvPr>
-          <p:cNvPicPr>
-            <a:picLocks noChangeAspect="1"/>
-          </p:cNvPicPr>
-          <p:nvPr/>
-        </p:nvPicPr>
-        <p:blipFill>
-          <a:blip r:embed="rId2"/>
-          <a:stretch>
-            <a:fillRect/>
-          </a:stretch>
-        </p:blipFill>
-        <p:spPr>
-          <a:xfrm>
-            <a:off x="3249683" y="944664"/>
-            <a:ext cx="5692633" cy="4968671"/>
-          </a:xfrm>
-          <a:prstGeom prst="rect">
-            <a:avLst/>
-          </a:prstGeom>
-        </p:spPr>
-      </p:pic>
-    </p:spTree>
-    <p:extLst>
-      <p:ext uri="{BB962C8B-B14F-4D97-AF65-F5344CB8AC3E}">
-        <p14:creationId xmlns:p14="http://schemas.microsoft.com/office/powerpoint/2010/main" val="4010605729"/>
       </p:ext>
     </p:extLst>
   </p:cSld>
